--- a/3nd_sem/cc/le_gr_mu/01_Ex_Hm/Presentation/Enabling Technologies.pptx
+++ b/3nd_sem/cc/le_gr_mu/01_Ex_Hm/Presentation/Enabling Technologies.pptx
@@ -6,6 +6,12 @@
   </p:sldMasterIdLst>
   <p:sldIdLst>
     <p:sldId id="256" r:id="rId2"/>
+    <p:sldId id="257" r:id="rId3"/>
+    <p:sldId id="258" r:id="rId4"/>
+    <p:sldId id="259" r:id="rId5"/>
+    <p:sldId id="260" r:id="rId6"/>
+    <p:sldId id="261" r:id="rId7"/>
+    <p:sldId id="262" r:id="rId8"/>
   </p:sldIdLst>
   <p:sldSz cx="12192000" cy="6858000"/>
   <p:notesSz cx="6858000" cy="9144000"/>
@@ -104,6 +110,11 @@
       </a:defRPr>
     </a:lvl9pPr>
   </p:defaultTextStyle>
+  <p:extLst>
+    <p:ext uri="{EFAFB233-063F-42B5-8137-9DF3F51BA10A}">
+      <p15:sldGuideLst xmlns:p15="http://schemas.microsoft.com/office/powerpoint/2012/main"/>
+    </p:ext>
+  </p:extLst>
 </p:presentation>
 </file>
 
@@ -290,7 +301,7 @@
           <a:p>
             <a:fld id="{4AAD347D-5ACD-4C99-B74B-A9C85AD731AF}" type="datetimeFigureOut">
               <a:rPr lang="en-US" dirty="0"/>
-              <a:t>1/2/2015</a:t>
+              <a:t>1/9/2015</a:t>
             </a:fld>
             <a:endParaRPr lang="en-US" dirty="0"/>
           </a:p>
@@ -560,7 +571,7 @@
           <a:p>
             <a:fld id="{4509A250-FF31-4206-8172-F9D3106AACB1}" type="datetimeFigureOut">
               <a:rPr lang="en-US" dirty="0"/>
-              <a:t>1/2/2015</a:t>
+              <a:t>1/9/2015</a:t>
             </a:fld>
             <a:endParaRPr lang="en-US" dirty="0"/>
           </a:p>
@@ -749,7 +760,7 @@
           <a:p>
             <a:fld id="{4509A250-FF31-4206-8172-F9D3106AACB1}" type="datetimeFigureOut">
               <a:rPr lang="en-US" dirty="0"/>
-              <a:t>1/2/2015</a:t>
+              <a:t>1/9/2015</a:t>
             </a:fld>
             <a:endParaRPr lang="en-US" dirty="0"/>
           </a:p>
@@ -1012,7 +1023,7 @@
           <a:p>
             <a:fld id="{4509A250-FF31-4206-8172-F9D3106AACB1}" type="datetimeFigureOut">
               <a:rPr lang="en-US" dirty="0"/>
-              <a:t>1/2/2015</a:t>
+              <a:t>1/9/2015</a:t>
             </a:fld>
             <a:endParaRPr lang="en-US" dirty="0"/>
           </a:p>
@@ -1339,7 +1350,7 @@
           <a:p>
             <a:fld id="{4509A250-FF31-4206-8172-F9D3106AACB1}" type="datetimeFigureOut">
               <a:rPr lang="en-US" dirty="0"/>
-              <a:t>1/2/2015</a:t>
+              <a:t>1/9/2015</a:t>
             </a:fld>
             <a:endParaRPr lang="en-US" dirty="0"/>
           </a:p>
@@ -1944,7 +1955,7 @@
           <a:p>
             <a:fld id="{4509A250-FF31-4206-8172-F9D3106AACB1}" type="datetimeFigureOut">
               <a:rPr lang="en-US" dirty="0"/>
-              <a:t>1/2/2015</a:t>
+              <a:t>1/9/2015</a:t>
             </a:fld>
             <a:endParaRPr lang="en-US" dirty="0"/>
           </a:p>
@@ -2786,7 +2797,7 @@
           <a:p>
             <a:fld id="{4509A250-FF31-4206-8172-F9D3106AACB1}" type="datetimeFigureOut">
               <a:rPr lang="en-US" dirty="0"/>
-              <a:t>1/2/2015</a:t>
+              <a:t>1/9/2015</a:t>
             </a:fld>
             <a:endParaRPr lang="en-US" dirty="0"/>
           </a:p>
@@ -2951,7 +2962,7 @@
           <a:p>
             <a:fld id="{4509A250-FF31-4206-8172-F9D3106AACB1}" type="datetimeFigureOut">
               <a:rPr lang="en-US" dirty="0"/>
-              <a:t>1/2/2015</a:t>
+              <a:t>1/9/2015</a:t>
             </a:fld>
             <a:endParaRPr lang="en-US" dirty="0"/>
           </a:p>
@@ -3126,7 +3137,7 @@
           <a:p>
             <a:fld id="{4509A250-FF31-4206-8172-F9D3106AACB1}" type="datetimeFigureOut">
               <a:rPr lang="en-US" dirty="0"/>
-              <a:t>1/2/2015</a:t>
+              <a:t>1/9/2015</a:t>
             </a:fld>
             <a:endParaRPr lang="en-US" dirty="0"/>
           </a:p>
@@ -3291,7 +3302,7 @@
           <a:p>
             <a:fld id="{4509A250-FF31-4206-8172-F9D3106AACB1}" type="datetimeFigureOut">
               <a:rPr lang="en-US" dirty="0"/>
-              <a:t>1/2/2015</a:t>
+              <a:t>1/9/2015</a:t>
             </a:fld>
             <a:endParaRPr lang="en-US" dirty="0"/>
           </a:p>
@@ -3530,7 +3541,7 @@
           <a:p>
             <a:fld id="{4509A250-FF31-4206-8172-F9D3106AACB1}" type="datetimeFigureOut">
               <a:rPr lang="en-US" dirty="0"/>
-              <a:t>1/2/2015</a:t>
+              <a:t>1/9/2015</a:t>
             </a:fld>
             <a:endParaRPr lang="en-US" dirty="0"/>
           </a:p>
@@ -3817,7 +3828,7 @@
           <a:p>
             <a:fld id="{4509A250-FF31-4206-8172-F9D3106AACB1}" type="datetimeFigureOut">
               <a:rPr lang="en-US" dirty="0"/>
-              <a:t>1/2/2015</a:t>
+              <a:t>1/9/2015</a:t>
             </a:fld>
             <a:endParaRPr lang="en-US" dirty="0"/>
           </a:p>
@@ -4250,7 +4261,7 @@
           <a:p>
             <a:fld id="{4509A250-FF31-4206-8172-F9D3106AACB1}" type="datetimeFigureOut">
               <a:rPr lang="en-US" dirty="0"/>
-              <a:t>1/2/2015</a:t>
+              <a:t>1/9/2015</a:t>
             </a:fld>
             <a:endParaRPr lang="en-US" dirty="0"/>
           </a:p>
@@ -4363,7 +4374,7 @@
           <a:p>
             <a:fld id="{4509A250-FF31-4206-8172-F9D3106AACB1}" type="datetimeFigureOut">
               <a:rPr lang="en-US" dirty="0"/>
-              <a:t>1/2/2015</a:t>
+              <a:t>1/9/2015</a:t>
             </a:fld>
             <a:endParaRPr lang="en-US" dirty="0"/>
           </a:p>
@@ -4453,7 +4464,7 @@
           <a:p>
             <a:fld id="{4509A250-FF31-4206-8172-F9D3106AACB1}" type="datetimeFigureOut">
               <a:rPr lang="en-US" dirty="0"/>
-              <a:t>1/2/2015</a:t>
+              <a:t>1/9/2015</a:t>
             </a:fld>
             <a:endParaRPr lang="en-US" dirty="0"/>
           </a:p>
@@ -4727,7 +4738,7 @@
           <a:p>
             <a:fld id="{4509A250-FF31-4206-8172-F9D3106AACB1}" type="datetimeFigureOut">
               <a:rPr lang="en-US" dirty="0"/>
-              <a:t>1/2/2015</a:t>
+              <a:t>1/9/2015</a:t>
             </a:fld>
             <a:endParaRPr lang="en-US" dirty="0"/>
           </a:p>
@@ -4997,7 +5008,7 @@
           <a:p>
             <a:fld id="{4509A250-FF31-4206-8172-F9D3106AACB1}" type="datetimeFigureOut">
               <a:rPr lang="en-US" dirty="0"/>
-              <a:t>1/2/2015</a:t>
+              <a:t>1/9/2015</a:t>
             </a:fld>
             <a:endParaRPr lang="en-US" dirty="0"/>
           </a:p>
@@ -5421,7 +5432,7 @@
           <a:p>
             <a:fld id="{4509A250-FF31-4206-8172-F9D3106AACB1}" type="datetimeFigureOut">
               <a:rPr lang="en-US" dirty="0"/>
-              <a:t>1/2/2015</a:t>
+              <a:t>1/9/2015</a:t>
             </a:fld>
             <a:endParaRPr lang="en-US" dirty="0"/>
           </a:p>
@@ -5985,6 +5996,484 @@
 </p:sld>
 </file>
 
+<file path=ppt/slides/slide2.xml><?xml version="1.0" encoding="utf-8"?>
+<p:sld xmlns:a="http://schemas.openxmlformats.org/drawingml/2006/main" xmlns:r="http://schemas.openxmlformats.org/officeDocument/2006/relationships" xmlns:p="http://schemas.openxmlformats.org/presentationml/2006/main">
+  <p:cSld>
+    <p:spTree>
+      <p:nvGrpSpPr>
+        <p:cNvPr id="1" name=""/>
+        <p:cNvGrpSpPr/>
+        <p:nvPr/>
+      </p:nvGrpSpPr>
+      <p:grpSpPr>
+        <a:xfrm>
+          <a:off x="0" y="0"/>
+          <a:ext cx="0" cy="0"/>
+          <a:chOff x="0" y="0"/>
+          <a:chExt cx="0" cy="0"/>
+        </a:xfrm>
+      </p:grpSpPr>
+      <p:sp>
+        <p:nvSpPr>
+          <p:cNvPr id="2" name="Titel 1"/>
+          <p:cNvSpPr>
+            <a:spLocks noGrp="1"/>
+          </p:cNvSpPr>
+          <p:nvPr>
+            <p:ph type="title"/>
+          </p:nvPr>
+        </p:nvSpPr>
+        <p:spPr/>
+        <p:txBody>
+          <a:bodyPr/>
+          <a:lstStyle/>
+          <a:p>
+            <a:r>
+              <a:rPr lang="de-AT" dirty="0" err="1" smtClean="0"/>
+              <a:t>Used</a:t>
+            </a:r>
+            <a:r>
+              <a:rPr lang="de-AT" dirty="0" smtClean="0"/>
+              <a:t> Technologies</a:t>
+            </a:r>
+            <a:endParaRPr lang="en-US" dirty="0"/>
+          </a:p>
+        </p:txBody>
+      </p:sp>
+      <p:sp>
+        <p:nvSpPr>
+          <p:cNvPr id="3" name="Inhaltsplatzhalter 2"/>
+          <p:cNvSpPr>
+            <a:spLocks noGrp="1"/>
+          </p:cNvSpPr>
+          <p:nvPr>
+            <p:ph idx="1"/>
+          </p:nvPr>
+        </p:nvSpPr>
+        <p:spPr/>
+        <p:txBody>
+          <a:bodyPr/>
+          <a:lstStyle/>
+          <a:p>
+            <a:r>
+              <a:rPr lang="de-AT" dirty="0" err="1" smtClean="0"/>
+              <a:t>OpenStack</a:t>
+            </a:r>
+            <a:r>
+              <a:rPr lang="de-AT" dirty="0" smtClean="0"/>
+              <a:t> (</a:t>
+            </a:r>
+            <a:r>
+              <a:rPr lang="de-AT" dirty="0" err="1" smtClean="0"/>
+              <a:t>DevStack</a:t>
+            </a:r>
+            <a:r>
+              <a:rPr lang="de-AT" dirty="0" smtClean="0"/>
+              <a:t>)</a:t>
+            </a:r>
+          </a:p>
+          <a:p>
+            <a:endParaRPr lang="de-AT" dirty="0" smtClean="0"/>
+          </a:p>
+          <a:p>
+            <a:r>
+              <a:rPr lang="de-AT" dirty="0" smtClean="0"/>
+              <a:t>WPF</a:t>
+            </a:r>
+          </a:p>
+          <a:p>
+            <a:endParaRPr lang="de-AT" dirty="0" smtClean="0"/>
+          </a:p>
+          <a:p>
+            <a:r>
+              <a:rPr lang="de-AT" dirty="0" err="1" smtClean="0"/>
+              <a:t>NodeJs</a:t>
+            </a:r>
+            <a:endParaRPr lang="en-US" dirty="0"/>
+          </a:p>
+        </p:txBody>
+      </p:sp>
+    </p:spTree>
+    <p:extLst>
+      <p:ext uri="{BB962C8B-B14F-4D97-AF65-F5344CB8AC3E}">
+        <p14:creationId xmlns:p14="http://schemas.microsoft.com/office/powerpoint/2010/main" val="2336434507"/>
+      </p:ext>
+    </p:extLst>
+  </p:cSld>
+  <p:clrMapOvr>
+    <a:masterClrMapping/>
+  </p:clrMapOvr>
+</p:sld>
+</file>
+
+<file path=ppt/slides/slide3.xml><?xml version="1.0" encoding="utf-8"?>
+<p:sld xmlns:a="http://schemas.openxmlformats.org/drawingml/2006/main" xmlns:r="http://schemas.openxmlformats.org/officeDocument/2006/relationships" xmlns:p="http://schemas.openxmlformats.org/presentationml/2006/main">
+  <p:cSld>
+    <p:spTree>
+      <p:nvGrpSpPr>
+        <p:cNvPr id="1" name=""/>
+        <p:cNvGrpSpPr/>
+        <p:nvPr/>
+      </p:nvGrpSpPr>
+      <p:grpSpPr>
+        <a:xfrm>
+          <a:off x="0" y="0"/>
+          <a:ext cx="0" cy="0"/>
+          <a:chOff x="0" y="0"/>
+          <a:chExt cx="0" cy="0"/>
+        </a:xfrm>
+      </p:grpSpPr>
+      <p:sp>
+        <p:nvSpPr>
+          <p:cNvPr id="2" name="Titel 1"/>
+          <p:cNvSpPr>
+            <a:spLocks noGrp="1"/>
+          </p:cNvSpPr>
+          <p:nvPr>
+            <p:ph type="title"/>
+          </p:nvPr>
+        </p:nvSpPr>
+        <p:spPr/>
+        <p:txBody>
+          <a:bodyPr/>
+          <a:lstStyle/>
+          <a:p>
+            <a:r>
+              <a:rPr lang="de-AT" dirty="0" smtClean="0"/>
+              <a:t>Implementation Detail</a:t>
+            </a:r>
+            <a:endParaRPr lang="en-US" dirty="0"/>
+          </a:p>
+        </p:txBody>
+      </p:sp>
+      <p:sp>
+        <p:nvSpPr>
+          <p:cNvPr id="3" name="Inhaltsplatzhalter 2"/>
+          <p:cNvSpPr>
+            <a:spLocks noGrp="1"/>
+          </p:cNvSpPr>
+          <p:nvPr>
+            <p:ph idx="1"/>
+          </p:nvPr>
+        </p:nvSpPr>
+        <p:spPr/>
+        <p:txBody>
+          <a:bodyPr/>
+          <a:lstStyle/>
+          <a:p>
+            <a:endParaRPr lang="en-US"/>
+          </a:p>
+        </p:txBody>
+      </p:sp>
+    </p:spTree>
+    <p:extLst>
+      <p:ext uri="{BB962C8B-B14F-4D97-AF65-F5344CB8AC3E}">
+        <p14:creationId xmlns:p14="http://schemas.microsoft.com/office/powerpoint/2010/main" val="4293541475"/>
+      </p:ext>
+    </p:extLst>
+  </p:cSld>
+  <p:clrMapOvr>
+    <a:masterClrMapping/>
+  </p:clrMapOvr>
+</p:sld>
+</file>
+
+<file path=ppt/slides/slide4.xml><?xml version="1.0" encoding="utf-8"?>
+<p:sld xmlns:a="http://schemas.openxmlformats.org/drawingml/2006/main" xmlns:r="http://schemas.openxmlformats.org/officeDocument/2006/relationships" xmlns:p="http://schemas.openxmlformats.org/presentationml/2006/main">
+  <p:cSld>
+    <p:spTree>
+      <p:nvGrpSpPr>
+        <p:cNvPr id="1" name=""/>
+        <p:cNvGrpSpPr/>
+        <p:nvPr/>
+      </p:nvGrpSpPr>
+      <p:grpSpPr>
+        <a:xfrm>
+          <a:off x="0" y="0"/>
+          <a:ext cx="0" cy="0"/>
+          <a:chOff x="0" y="0"/>
+          <a:chExt cx="0" cy="0"/>
+        </a:xfrm>
+      </p:grpSpPr>
+      <p:sp>
+        <p:nvSpPr>
+          <p:cNvPr id="2" name="Titel 1"/>
+          <p:cNvSpPr>
+            <a:spLocks noGrp="1"/>
+          </p:cNvSpPr>
+          <p:nvPr>
+            <p:ph type="title"/>
+          </p:nvPr>
+        </p:nvSpPr>
+        <p:spPr/>
+        <p:txBody>
+          <a:bodyPr/>
+          <a:lstStyle/>
+          <a:p>
+            <a:r>
+              <a:rPr lang="de-AT" dirty="0" smtClean="0"/>
+              <a:t>Interface Design</a:t>
+            </a:r>
+            <a:endParaRPr lang="en-US" dirty="0"/>
+          </a:p>
+        </p:txBody>
+      </p:sp>
+      <p:sp>
+        <p:nvSpPr>
+          <p:cNvPr id="3" name="Inhaltsplatzhalter 2"/>
+          <p:cNvSpPr>
+            <a:spLocks noGrp="1"/>
+          </p:cNvSpPr>
+          <p:nvPr>
+            <p:ph idx="1"/>
+          </p:nvPr>
+        </p:nvSpPr>
+        <p:spPr/>
+        <p:txBody>
+          <a:bodyPr/>
+          <a:lstStyle/>
+          <a:p>
+            <a:endParaRPr lang="en-US"/>
+          </a:p>
+        </p:txBody>
+      </p:sp>
+    </p:spTree>
+    <p:extLst>
+      <p:ext uri="{BB962C8B-B14F-4D97-AF65-F5344CB8AC3E}">
+        <p14:creationId xmlns:p14="http://schemas.microsoft.com/office/powerpoint/2010/main" val="188286587"/>
+      </p:ext>
+    </p:extLst>
+  </p:cSld>
+  <p:clrMapOvr>
+    <a:masterClrMapping/>
+  </p:clrMapOvr>
+</p:sld>
+</file>
+
+<file path=ppt/slides/slide5.xml><?xml version="1.0" encoding="utf-8"?>
+<p:sld xmlns:a="http://schemas.openxmlformats.org/drawingml/2006/main" xmlns:r="http://schemas.openxmlformats.org/officeDocument/2006/relationships" xmlns:p="http://schemas.openxmlformats.org/presentationml/2006/main">
+  <p:cSld>
+    <p:spTree>
+      <p:nvGrpSpPr>
+        <p:cNvPr id="1" name=""/>
+        <p:cNvGrpSpPr/>
+        <p:nvPr/>
+      </p:nvGrpSpPr>
+      <p:grpSpPr>
+        <a:xfrm>
+          <a:off x="0" y="0"/>
+          <a:ext cx="0" cy="0"/>
+          <a:chOff x="0" y="0"/>
+          <a:chExt cx="0" cy="0"/>
+        </a:xfrm>
+      </p:grpSpPr>
+      <p:sp>
+        <p:nvSpPr>
+          <p:cNvPr id="2" name="Titel 1"/>
+          <p:cNvSpPr>
+            <a:spLocks noGrp="1"/>
+          </p:cNvSpPr>
+          <p:nvPr>
+            <p:ph type="title"/>
+          </p:nvPr>
+        </p:nvSpPr>
+        <p:spPr/>
+        <p:txBody>
+          <a:bodyPr/>
+          <a:lstStyle/>
+          <a:p>
+            <a:r>
+              <a:rPr lang="de-AT" dirty="0" smtClean="0"/>
+              <a:t>Message Pattern</a:t>
+            </a:r>
+            <a:endParaRPr lang="en-US" dirty="0"/>
+          </a:p>
+        </p:txBody>
+      </p:sp>
+      <p:sp>
+        <p:nvSpPr>
+          <p:cNvPr id="3" name="Inhaltsplatzhalter 2"/>
+          <p:cNvSpPr>
+            <a:spLocks noGrp="1"/>
+          </p:cNvSpPr>
+          <p:nvPr>
+            <p:ph idx="1"/>
+          </p:nvPr>
+        </p:nvSpPr>
+        <p:spPr/>
+        <p:txBody>
+          <a:bodyPr/>
+          <a:lstStyle/>
+          <a:p>
+            <a:endParaRPr lang="en-US"/>
+          </a:p>
+        </p:txBody>
+      </p:sp>
+    </p:spTree>
+    <p:extLst>
+      <p:ext uri="{BB962C8B-B14F-4D97-AF65-F5344CB8AC3E}">
+        <p14:creationId xmlns:p14="http://schemas.microsoft.com/office/powerpoint/2010/main" val="1940717003"/>
+      </p:ext>
+    </p:extLst>
+  </p:cSld>
+  <p:clrMapOvr>
+    <a:masterClrMapping/>
+  </p:clrMapOvr>
+</p:sld>
+</file>
+
+<file path=ppt/slides/slide6.xml><?xml version="1.0" encoding="utf-8"?>
+<p:sld xmlns:a="http://schemas.openxmlformats.org/drawingml/2006/main" xmlns:r="http://schemas.openxmlformats.org/officeDocument/2006/relationships" xmlns:p="http://schemas.openxmlformats.org/presentationml/2006/main">
+  <p:cSld>
+    <p:spTree>
+      <p:nvGrpSpPr>
+        <p:cNvPr id="1" name=""/>
+        <p:cNvGrpSpPr/>
+        <p:nvPr/>
+      </p:nvGrpSpPr>
+      <p:grpSpPr>
+        <a:xfrm>
+          <a:off x="0" y="0"/>
+          <a:ext cx="0" cy="0"/>
+          <a:chOff x="0" y="0"/>
+          <a:chExt cx="0" cy="0"/>
+        </a:xfrm>
+      </p:grpSpPr>
+      <p:sp>
+        <p:nvSpPr>
+          <p:cNvPr id="2" name="Titel 1"/>
+          <p:cNvSpPr>
+            <a:spLocks noGrp="1"/>
+          </p:cNvSpPr>
+          <p:nvPr>
+            <p:ph type="title"/>
+          </p:nvPr>
+        </p:nvSpPr>
+        <p:spPr/>
+        <p:txBody>
+          <a:bodyPr/>
+          <a:lstStyle/>
+          <a:p>
+            <a:r>
+              <a:rPr lang="de-AT" dirty="0" err="1" smtClean="0"/>
+              <a:t>Lessons</a:t>
+            </a:r>
+            <a:r>
+              <a:rPr lang="de-AT" dirty="0" smtClean="0"/>
+              <a:t> </a:t>
+            </a:r>
+            <a:r>
+              <a:rPr lang="de-AT" dirty="0" err="1" smtClean="0"/>
+              <a:t>Learned</a:t>
+            </a:r>
+            <a:endParaRPr lang="en-US" dirty="0"/>
+          </a:p>
+        </p:txBody>
+      </p:sp>
+      <p:sp>
+        <p:nvSpPr>
+          <p:cNvPr id="3" name="Inhaltsplatzhalter 2"/>
+          <p:cNvSpPr>
+            <a:spLocks noGrp="1"/>
+          </p:cNvSpPr>
+          <p:nvPr>
+            <p:ph idx="1"/>
+          </p:nvPr>
+        </p:nvSpPr>
+        <p:spPr/>
+        <p:txBody>
+          <a:bodyPr/>
+          <a:lstStyle/>
+          <a:p>
+            <a:endParaRPr lang="en-US"/>
+          </a:p>
+        </p:txBody>
+      </p:sp>
+    </p:spTree>
+    <p:extLst>
+      <p:ext uri="{BB962C8B-B14F-4D97-AF65-F5344CB8AC3E}">
+        <p14:creationId xmlns:p14="http://schemas.microsoft.com/office/powerpoint/2010/main" val="4010221595"/>
+      </p:ext>
+    </p:extLst>
+  </p:cSld>
+  <p:clrMapOvr>
+    <a:masterClrMapping/>
+  </p:clrMapOvr>
+</p:sld>
+</file>
+
+<file path=ppt/slides/slide7.xml><?xml version="1.0" encoding="utf-8"?>
+<p:sld xmlns:a="http://schemas.openxmlformats.org/drawingml/2006/main" xmlns:r="http://schemas.openxmlformats.org/officeDocument/2006/relationships" xmlns:p="http://schemas.openxmlformats.org/presentationml/2006/main">
+  <p:cSld>
+    <p:spTree>
+      <p:nvGrpSpPr>
+        <p:cNvPr id="1" name=""/>
+        <p:cNvGrpSpPr/>
+        <p:nvPr/>
+      </p:nvGrpSpPr>
+      <p:grpSpPr>
+        <a:xfrm>
+          <a:off x="0" y="0"/>
+          <a:ext cx="0" cy="0"/>
+          <a:chOff x="0" y="0"/>
+          <a:chExt cx="0" cy="0"/>
+        </a:xfrm>
+      </p:grpSpPr>
+      <p:sp>
+        <p:nvSpPr>
+          <p:cNvPr id="2" name="Titel 1"/>
+          <p:cNvSpPr>
+            <a:spLocks noGrp="1"/>
+          </p:cNvSpPr>
+          <p:nvPr>
+            <p:ph type="title"/>
+          </p:nvPr>
+        </p:nvSpPr>
+        <p:spPr/>
+        <p:txBody>
+          <a:bodyPr/>
+          <a:lstStyle/>
+          <a:p>
+            <a:r>
+              <a:rPr lang="de-AT" dirty="0" smtClean="0"/>
+              <a:t>Demo</a:t>
+            </a:r>
+            <a:endParaRPr lang="en-US" dirty="0"/>
+          </a:p>
+        </p:txBody>
+      </p:sp>
+      <p:sp>
+        <p:nvSpPr>
+          <p:cNvPr id="3" name="Inhaltsplatzhalter 2"/>
+          <p:cNvSpPr>
+            <a:spLocks noGrp="1"/>
+          </p:cNvSpPr>
+          <p:nvPr>
+            <p:ph idx="1"/>
+          </p:nvPr>
+        </p:nvSpPr>
+        <p:spPr/>
+        <p:txBody>
+          <a:bodyPr/>
+          <a:lstStyle/>
+          <a:p>
+            <a:endParaRPr lang="en-US"/>
+          </a:p>
+        </p:txBody>
+      </p:sp>
+    </p:spTree>
+    <p:extLst>
+      <p:ext uri="{BB962C8B-B14F-4D97-AF65-F5344CB8AC3E}">
+        <p14:creationId xmlns:p14="http://schemas.microsoft.com/office/powerpoint/2010/main" val="2039331800"/>
+      </p:ext>
+    </p:extLst>
+  </p:cSld>
+  <p:clrMapOvr>
+    <a:masterClrMapping/>
+  </p:clrMapOvr>
+</p:sld>
+</file>
+
 <file path=ppt/theme/theme1.xml><?xml version="1.0" encoding="utf-8"?>
 <a:theme xmlns:a="http://schemas.openxmlformats.org/drawingml/2006/main" name="Ion">
   <a:themeElements>

--- a/3nd_sem/cc/le_gr_mu/01_Ex_Hm/Presentation/Enabling Technologies.pptx
+++ b/3nd_sem/cc/le_gr_mu/01_Ex_Hm/Presentation/Enabling Technologies.pptx
@@ -8,7 +8,7 @@
     <p:sldId id="256" r:id="rId2"/>
     <p:sldId id="257" r:id="rId3"/>
     <p:sldId id="258" r:id="rId4"/>
-    <p:sldId id="259" r:id="rId5"/>
+    <p:sldId id="263" r:id="rId5"/>
     <p:sldId id="260" r:id="rId6"/>
     <p:sldId id="261" r:id="rId7"/>
     <p:sldId id="262" r:id="rId8"/>
@@ -5993,6 +5993,25 @@
   <p:clrMapOvr>
     <a:masterClrMapping/>
   </p:clrMapOvr>
+  <mc:AlternateContent xmlns:mc="http://schemas.openxmlformats.org/markup-compatibility/2006">
+    <mc:Choice xmlns:p14="http://schemas.microsoft.com/office/powerpoint/2010/main" Requires="p14">
+      <p:transition spd="med" p14:dur="700">
+        <p:fade/>
+      </p:transition>
+    </mc:Choice>
+    <mc:Fallback>
+      <p:transition spd="med">
+        <p:fade/>
+      </p:transition>
+    </mc:Fallback>
+  </mc:AlternateContent>
+  <p:timing>
+    <p:tnLst>
+      <p:par>
+        <p:cTn id="1" dur="indefinite" restart="never" nodeType="tmRoot"/>
+      </p:par>
+    </p:tnLst>
+  </p:timing>
 </p:sld>
 </file>
 
@@ -6078,8 +6097,9 @@
           <a:p>
             <a:r>
               <a:rPr lang="de-AT" dirty="0" smtClean="0"/>
-              <a:t>WPF</a:t>
-            </a:r>
+              <a:t>.NET</a:t>
+            </a:r>
+            <a:endParaRPr lang="de-AT" dirty="0" smtClean="0"/>
           </a:p>
           <a:p>
             <a:endParaRPr lang="de-AT" dirty="0" smtClean="0"/>
@@ -6140,7 +6160,11 @@
           <a:p>
             <a:r>
               <a:rPr lang="de-AT" dirty="0" smtClean="0"/>
-              <a:t>Implementation Detail</a:t>
+              <a:t>Implementation </a:t>
+            </a:r>
+            <a:r>
+              <a:rPr lang="de-AT" dirty="0" smtClean="0"/>
+              <a:t>Detail - Service</a:t>
             </a:r>
             <a:endParaRPr lang="en-US" dirty="0"/>
           </a:p>
@@ -6161,10 +6185,69 @@
           <a:bodyPr/>
           <a:lstStyle/>
           <a:p>
-            <a:endParaRPr lang="en-US"/>
-          </a:p>
-        </p:txBody>
-      </p:sp>
+            <a:r>
+              <a:rPr lang="de-AT" dirty="0" err="1" smtClean="0"/>
+              <a:t>CloudMarketService</a:t>
+            </a:r>
+            <a:r>
+              <a:rPr lang="de-AT" dirty="0" smtClean="0"/>
+              <a:t> </a:t>
+            </a:r>
+          </a:p>
+          <a:p>
+            <a:pPr lvl="1"/>
+            <a:r>
+              <a:rPr lang="de-AT" dirty="0" smtClean="0"/>
+              <a:t>REST </a:t>
+            </a:r>
+            <a:r>
+              <a:rPr lang="de-AT" dirty="0" err="1" smtClean="0"/>
+              <a:t>based</a:t>
+            </a:r>
+            <a:endParaRPr lang="de-AT" dirty="0"/>
+          </a:p>
+          <a:p>
+            <a:pPr lvl="1"/>
+            <a:r>
+              <a:rPr lang="de-AT" dirty="0" err="1" smtClean="0"/>
+              <a:t>NodeJS</a:t>
+            </a:r>
+            <a:endParaRPr lang="de-AT" dirty="0" smtClean="0"/>
+          </a:p>
+          <a:p>
+            <a:pPr lvl="1"/>
+            <a:endParaRPr lang="de-AT" dirty="0"/>
+          </a:p>
+          <a:p>
+            <a:pPr lvl="1"/>
+            <a:endParaRPr lang="en-US" dirty="0"/>
+          </a:p>
+        </p:txBody>
+      </p:sp>
+      <p:pic>
+        <p:nvPicPr>
+          <p:cNvPr id="4" name="Grafik 3"/>
+          <p:cNvPicPr>
+            <a:picLocks noChangeAspect="1"/>
+          </p:cNvPicPr>
+          <p:nvPr/>
+        </p:nvPicPr>
+        <p:blipFill>
+          <a:blip r:embed="rId2"/>
+          <a:stretch>
+            <a:fillRect/>
+          </a:stretch>
+        </p:blipFill>
+        <p:spPr>
+          <a:xfrm>
+            <a:off x="1674216" y="3300289"/>
+            <a:ext cx="4993506" cy="3291840"/>
+          </a:xfrm>
+          <a:prstGeom prst="rect">
+            <a:avLst/>
+          </a:prstGeom>
+        </p:spPr>
+      </p:pic>
     </p:spTree>
     <p:extLst>
       <p:ext uri="{BB962C8B-B14F-4D97-AF65-F5344CB8AC3E}">
@@ -6212,7 +6295,11 @@
           <a:p>
             <a:r>
               <a:rPr lang="de-AT" dirty="0" smtClean="0"/>
-              <a:t>Interface Design</a:t>
+              <a:t>Implementation </a:t>
+            </a:r>
+            <a:r>
+              <a:rPr lang="de-AT" dirty="0" smtClean="0"/>
+              <a:t>Detail - Client</a:t>
             </a:r>
             <a:endParaRPr lang="en-US" dirty="0"/>
           </a:p>
@@ -6233,14 +6320,53 @@
           <a:bodyPr/>
           <a:lstStyle/>
           <a:p>
-            <a:endParaRPr lang="en-US"/>
-          </a:p>
-        </p:txBody>
-      </p:sp>
+            <a:r>
+              <a:rPr lang="de-AT" dirty="0" smtClean="0"/>
+              <a:t>.NET WPF Client</a:t>
+            </a:r>
+          </a:p>
+          <a:p>
+            <a:pPr marL="0" indent="0">
+              <a:buNone/>
+            </a:pPr>
+            <a:endParaRPr lang="de-AT" dirty="0" smtClean="0"/>
+          </a:p>
+          <a:p>
+            <a:pPr marL="457200" lvl="1" indent="0">
+              <a:buNone/>
+            </a:pPr>
+            <a:endParaRPr lang="en-US" dirty="0"/>
+          </a:p>
+        </p:txBody>
+      </p:sp>
+      <p:pic>
+        <p:nvPicPr>
+          <p:cNvPr id="4" name="Grafik 3"/>
+          <p:cNvPicPr>
+            <a:picLocks noChangeAspect="1"/>
+          </p:cNvPicPr>
+          <p:nvPr/>
+        </p:nvPicPr>
+        <p:blipFill>
+          <a:blip r:embed="rId2"/>
+          <a:stretch>
+            <a:fillRect/>
+          </a:stretch>
+        </p:blipFill>
+        <p:spPr>
+          <a:xfrm>
+            <a:off x="1571839" y="2607589"/>
+            <a:ext cx="6008541" cy="3840480"/>
+          </a:xfrm>
+          <a:prstGeom prst="rect">
+            <a:avLst/>
+          </a:prstGeom>
+        </p:spPr>
+      </p:pic>
     </p:spTree>
     <p:extLst>
       <p:ext uri="{BB962C8B-B14F-4D97-AF65-F5344CB8AC3E}">
-        <p14:creationId xmlns:p14="http://schemas.microsoft.com/office/powerpoint/2010/main" val="188286587"/>
+        <p14:creationId xmlns:p14="http://schemas.microsoft.com/office/powerpoint/2010/main" val="4100233697"/>
       </p:ext>
     </p:extLst>
   </p:cSld>
@@ -6300,12 +6426,538 @@
             <p:ph idx="1"/>
           </p:nvPr>
         </p:nvSpPr>
-        <p:spPr/>
-        <p:txBody>
-          <a:bodyPr/>
+        <p:spPr>
+          <a:xfrm>
+            <a:off x="1103312" y="1483448"/>
+            <a:ext cx="8946541" cy="4968370"/>
+          </a:xfrm>
+        </p:spPr>
+        <p:txBody>
+          <a:bodyPr>
+            <a:normAutofit fontScale="62500" lnSpcReduction="20000"/>
+          </a:bodyPr>
           <a:lstStyle/>
           <a:p>
-            <a:endParaRPr lang="en-US"/>
+            <a:r>
+              <a:rPr lang="de-AT" dirty="0" smtClean="0"/>
+              <a:t>REST Service</a:t>
+            </a:r>
+          </a:p>
+          <a:p>
+            <a:r>
+              <a:rPr lang="de-AT" dirty="0" smtClean="0"/>
+              <a:t>Request – Search </a:t>
+            </a:r>
+            <a:r>
+              <a:rPr lang="de-AT" dirty="0" err="1" smtClean="0"/>
+              <a:t>for</a:t>
+            </a:r>
+            <a:r>
+              <a:rPr lang="de-AT" dirty="0" smtClean="0"/>
+              <a:t> Virtual </a:t>
+            </a:r>
+            <a:r>
+              <a:rPr lang="de-AT" dirty="0" err="1" smtClean="0"/>
+              <a:t>Machine</a:t>
+            </a:r>
+            <a:r>
+              <a:rPr lang="de-AT" dirty="0" smtClean="0"/>
+              <a:t> </a:t>
+            </a:r>
+            <a:r>
+              <a:rPr lang="de-AT" dirty="0" err="1" smtClean="0"/>
+              <a:t>or</a:t>
+            </a:r>
+            <a:r>
+              <a:rPr lang="de-AT" dirty="0" smtClean="0"/>
+              <a:t> Appliance</a:t>
+            </a:r>
+          </a:p>
+          <a:p>
+            <a:pPr lvl="1"/>
+            <a:r>
+              <a:rPr lang="en-US" dirty="0"/>
+              <a:t>http://localhost:1337/machine/all/Virt</a:t>
+            </a:r>
+            <a:endParaRPr lang="de-AT" dirty="0" smtClean="0"/>
+          </a:p>
+          <a:p>
+            <a:pPr lvl="1"/>
+            <a:r>
+              <a:rPr lang="de-AT" dirty="0" smtClean="0"/>
+              <a:t>JSON </a:t>
+            </a:r>
+            <a:r>
+              <a:rPr lang="de-AT" dirty="0" err="1" smtClean="0"/>
+              <a:t>response</a:t>
+            </a:r>
+            <a:endParaRPr lang="de-AT" dirty="0" smtClean="0"/>
+          </a:p>
+          <a:p>
+            <a:pPr marL="857250" lvl="2" indent="0">
+              <a:buNone/>
+            </a:pPr>
+            <a:r>
+              <a:rPr lang="en-US" dirty="0" smtClean="0"/>
+              <a:t>{</a:t>
+            </a:r>
+            <a:r>
+              <a:rPr lang="en-US" dirty="0"/>
+              <a:t>  </a:t>
+            </a:r>
+            <a:br>
+              <a:rPr lang="en-US" dirty="0"/>
+            </a:br>
+            <a:r>
+              <a:rPr lang="en-US" dirty="0"/>
+              <a:t>   </a:t>
+            </a:r>
+            <a:r>
+              <a:rPr lang="en-US" b="1" dirty="0"/>
+              <a:t>"</a:t>
+            </a:r>
+            <a:r>
+              <a:rPr lang="en-US" b="1" dirty="0" err="1"/>
+              <a:t>Success"</a:t>
+            </a:r>
+            <a:r>
+              <a:rPr lang="en-US" dirty="0" err="1"/>
+              <a:t>:true</a:t>
+            </a:r>
+            <a:r>
+              <a:rPr lang="en-US" dirty="0"/>
+              <a:t>,</a:t>
+            </a:r>
+            <a:br>
+              <a:rPr lang="en-US" dirty="0"/>
+            </a:br>
+            <a:r>
+              <a:rPr lang="en-US" dirty="0"/>
+              <a:t>   </a:t>
+            </a:r>
+            <a:r>
+              <a:rPr lang="en-US" b="1" dirty="0"/>
+              <a:t>"</a:t>
+            </a:r>
+            <a:r>
+              <a:rPr lang="en-US" b="1" dirty="0" err="1"/>
+              <a:t>ErrorMessage</a:t>
+            </a:r>
+            <a:r>
+              <a:rPr lang="en-US" b="1" dirty="0"/>
+              <a:t>"</a:t>
+            </a:r>
+            <a:r>
+              <a:rPr lang="en-US" dirty="0"/>
+              <a:t>:"",</a:t>
+            </a:r>
+            <a:br>
+              <a:rPr lang="en-US" dirty="0"/>
+            </a:br>
+            <a:r>
+              <a:rPr lang="en-US" dirty="0"/>
+              <a:t>   </a:t>
+            </a:r>
+            <a:r>
+              <a:rPr lang="en-US" b="1" dirty="0"/>
+              <a:t>"Data"</a:t>
+            </a:r>
+            <a:r>
+              <a:rPr lang="en-US" dirty="0"/>
+              <a:t>:[  </a:t>
+            </a:r>
+            <a:br>
+              <a:rPr lang="en-US" dirty="0"/>
+            </a:br>
+            <a:r>
+              <a:rPr lang="en-US" dirty="0"/>
+              <a:t>      {  </a:t>
+            </a:r>
+            <a:br>
+              <a:rPr lang="en-US" dirty="0"/>
+            </a:br>
+            <a:r>
+              <a:rPr lang="en-US" dirty="0"/>
+              <a:t>         </a:t>
+            </a:r>
+            <a:r>
+              <a:rPr lang="en-US" b="1" dirty="0"/>
+              <a:t>"Id"</a:t>
+            </a:r>
+            <a:r>
+              <a:rPr lang="en-US" dirty="0"/>
+              <a:t>:"3",</a:t>
+            </a:r>
+            <a:br>
+              <a:rPr lang="en-US" dirty="0"/>
+            </a:br>
+            <a:r>
+              <a:rPr lang="en-US" dirty="0"/>
+              <a:t>         </a:t>
+            </a:r>
+            <a:r>
+              <a:rPr lang="en-US" b="1" dirty="0"/>
+              <a:t>"</a:t>
+            </a:r>
+            <a:r>
+              <a:rPr lang="en-US" b="1" dirty="0" err="1"/>
+              <a:t>Name"</a:t>
+            </a:r>
+            <a:r>
+              <a:rPr lang="en-US" dirty="0" err="1"/>
+              <a:t>:"Windows</a:t>
+            </a:r>
+            <a:r>
+              <a:rPr lang="en-US" dirty="0"/>
+              <a:t> XP",</a:t>
+            </a:r>
+            <a:br>
+              <a:rPr lang="en-US" dirty="0"/>
+            </a:br>
+            <a:r>
+              <a:rPr lang="en-US" dirty="0"/>
+              <a:t>         </a:t>
+            </a:r>
+            <a:r>
+              <a:rPr lang="en-US" b="1" dirty="0"/>
+              <a:t>"</a:t>
+            </a:r>
+            <a:r>
+              <a:rPr lang="en-US" b="1" dirty="0" err="1"/>
+              <a:t>Description"</a:t>
+            </a:r>
+            <a:r>
+              <a:rPr lang="en-US" dirty="0" err="1"/>
+              <a:t>:"Windows</a:t>
+            </a:r>
+            <a:r>
+              <a:rPr lang="en-US" dirty="0"/>
+              <a:t> XP Service Pack 3",</a:t>
+            </a:r>
+            <a:br>
+              <a:rPr lang="en-US" dirty="0"/>
+            </a:br>
+            <a:r>
+              <a:rPr lang="en-US" dirty="0"/>
+              <a:t>         </a:t>
+            </a:r>
+            <a:r>
+              <a:rPr lang="en-US" b="1" dirty="0"/>
+              <a:t>"</a:t>
+            </a:r>
+            <a:r>
+              <a:rPr lang="en-US" b="1" dirty="0" err="1"/>
+              <a:t>Type"</a:t>
+            </a:r>
+            <a:r>
+              <a:rPr lang="en-US" dirty="0" err="1"/>
+              <a:t>:"Virtual</a:t>
+            </a:r>
+            <a:r>
+              <a:rPr lang="en-US" dirty="0"/>
+              <a:t> Machine",</a:t>
+            </a:r>
+            <a:br>
+              <a:rPr lang="en-US" dirty="0"/>
+            </a:br>
+            <a:r>
+              <a:rPr lang="en-US" dirty="0"/>
+              <a:t>         </a:t>
+            </a:r>
+            <a:r>
+              <a:rPr lang="en-US" b="1" dirty="0"/>
+              <a:t>"</a:t>
+            </a:r>
+            <a:r>
+              <a:rPr lang="en-US" b="1" dirty="0" err="1"/>
+              <a:t>ApplicationType</a:t>
+            </a:r>
+            <a:r>
+              <a:rPr lang="en-US" b="1" dirty="0"/>
+              <a:t>"</a:t>
+            </a:r>
+            <a:r>
+              <a:rPr lang="en-US" dirty="0"/>
+              <a:t>:"",</a:t>
+            </a:r>
+            <a:br>
+              <a:rPr lang="en-US" dirty="0"/>
+            </a:br>
+            <a:r>
+              <a:rPr lang="en-US" dirty="0"/>
+              <a:t>         </a:t>
+            </a:r>
+            <a:r>
+              <a:rPr lang="en-US" b="1" dirty="0"/>
+              <a:t>"</a:t>
+            </a:r>
+            <a:r>
+              <a:rPr lang="en-US" b="1" dirty="0" err="1"/>
+              <a:t>OperatingSystem</a:t>
+            </a:r>
+            <a:r>
+              <a:rPr lang="en-US" b="1" dirty="0"/>
+              <a:t>"</a:t>
+            </a:r>
+            <a:r>
+              <a:rPr lang="en-US" dirty="0"/>
+              <a:t>:"Windows XP",</a:t>
+            </a:r>
+            <a:br>
+              <a:rPr lang="en-US" dirty="0"/>
+            </a:br>
+            <a:r>
+              <a:rPr lang="en-US" dirty="0"/>
+              <a:t>         </a:t>
+            </a:r>
+            <a:r>
+              <a:rPr lang="en-US" b="1" dirty="0"/>
+              <a:t>"</a:t>
+            </a:r>
+            <a:r>
+              <a:rPr lang="en-US" b="1" dirty="0" err="1"/>
+              <a:t>OperatingSystemType</a:t>
+            </a:r>
+            <a:r>
+              <a:rPr lang="en-US" b="1" dirty="0"/>
+              <a:t>"</a:t>
+            </a:r>
+            <a:r>
+              <a:rPr lang="en-US" dirty="0"/>
+              <a:t>:"Windows",</a:t>
+            </a:r>
+            <a:br>
+              <a:rPr lang="en-US" dirty="0"/>
+            </a:br>
+            <a:r>
+              <a:rPr lang="en-US" dirty="0"/>
+              <a:t>         </a:t>
+            </a:r>
+            <a:r>
+              <a:rPr lang="en-US" b="1" dirty="0"/>
+              <a:t>"OperatingSysteVersion"</a:t>
+            </a:r>
+            <a:r>
+              <a:rPr lang="en-US" dirty="0"/>
+              <a:t>:"6.1",</a:t>
+            </a:r>
+            <a:br>
+              <a:rPr lang="en-US" dirty="0"/>
+            </a:br>
+            <a:r>
+              <a:rPr lang="en-US" dirty="0"/>
+              <a:t>         </a:t>
+            </a:r>
+            <a:r>
+              <a:rPr lang="en-US" b="1" dirty="0"/>
+              <a:t>"Size"</a:t>
+            </a:r>
+            <a:r>
+              <a:rPr lang="en-US" dirty="0"/>
+              <a:t>:"400000",</a:t>
+            </a:r>
+            <a:br>
+              <a:rPr lang="en-US" dirty="0"/>
+            </a:br>
+            <a:r>
+              <a:rPr lang="en-US" dirty="0"/>
+              <a:t>         </a:t>
+            </a:r>
+            <a:r>
+              <a:rPr lang="en-US" b="1" dirty="0"/>
+              <a:t>"RecommendedCPU"</a:t>
+            </a:r>
+            <a:r>
+              <a:rPr lang="en-US" dirty="0"/>
+              <a:t>:"1000",</a:t>
+            </a:r>
+            <a:br>
+              <a:rPr lang="en-US" dirty="0"/>
+            </a:br>
+            <a:r>
+              <a:rPr lang="en-US" dirty="0"/>
+              <a:t>         </a:t>
+            </a:r>
+            <a:r>
+              <a:rPr lang="en-US" b="1" dirty="0"/>
+              <a:t>"RecommendedRAM"</a:t>
+            </a:r>
+            <a:r>
+              <a:rPr lang="en-US" dirty="0"/>
+              <a:t>:"1024",</a:t>
+            </a:r>
+            <a:br>
+              <a:rPr lang="en-US" dirty="0"/>
+            </a:br>
+            <a:r>
+              <a:rPr lang="en-US" dirty="0"/>
+              <a:t>         </a:t>
+            </a:r>
+            <a:r>
+              <a:rPr lang="en-US" b="1" dirty="0"/>
+              <a:t>"</a:t>
+            </a:r>
+            <a:r>
+              <a:rPr lang="en-US" b="1" dirty="0" err="1"/>
+              <a:t>SupportedVirtualizationPlatform</a:t>
+            </a:r>
+            <a:r>
+              <a:rPr lang="en-US" b="1" dirty="0"/>
+              <a:t>"</a:t>
+            </a:r>
+            <a:r>
+              <a:rPr lang="en-US" dirty="0"/>
+              <a:t>:"",</a:t>
+            </a:r>
+            <a:br>
+              <a:rPr lang="en-US" dirty="0"/>
+            </a:br>
+            <a:r>
+              <a:rPr lang="en-US" dirty="0"/>
+              <a:t>         </a:t>
+            </a:r>
+            <a:r>
+              <a:rPr lang="en-US" b="1" dirty="0"/>
+              <a:t>"Software"</a:t>
+            </a:r>
+            <a:r>
+              <a:rPr lang="en-US" dirty="0"/>
+              <a:t>:[  </a:t>
+            </a:r>
+            <a:br>
+              <a:rPr lang="en-US" dirty="0"/>
+            </a:br>
+            <a:r>
+              <a:rPr lang="en-US" dirty="0"/>
+              <a:t/>
+            </a:r>
+            <a:br>
+              <a:rPr lang="en-US" dirty="0"/>
+            </a:br>
+            <a:r>
+              <a:rPr lang="en-US" dirty="0"/>
+              <a:t>         ],</a:t>
+            </a:r>
+            <a:br>
+              <a:rPr lang="en-US" dirty="0"/>
+            </a:br>
+            <a:r>
+              <a:rPr lang="en-US" dirty="0"/>
+              <a:t>         </a:t>
+            </a:r>
+            <a:r>
+              <a:rPr lang="en-US" b="1" dirty="0"/>
+              <a:t>"</a:t>
+            </a:r>
+            <a:r>
+              <a:rPr lang="en-US" b="1" dirty="0" err="1"/>
+              <a:t>SupportedProgramingLanguages</a:t>
+            </a:r>
+            <a:r>
+              <a:rPr lang="en-US" b="1" dirty="0"/>
+              <a:t>"</a:t>
+            </a:r>
+            <a:r>
+              <a:rPr lang="en-US" dirty="0"/>
+              <a:t>:[  </a:t>
+            </a:r>
+            <a:br>
+              <a:rPr lang="en-US" dirty="0"/>
+            </a:br>
+            <a:r>
+              <a:rPr lang="en-US" dirty="0"/>
+              <a:t/>
+            </a:r>
+            <a:br>
+              <a:rPr lang="en-US" dirty="0"/>
+            </a:br>
+            <a:r>
+              <a:rPr lang="en-US" dirty="0"/>
+              <a:t>         ],</a:t>
+            </a:r>
+            <a:br>
+              <a:rPr lang="en-US" dirty="0"/>
+            </a:br>
+            <a:r>
+              <a:rPr lang="en-US" dirty="0"/>
+              <a:t>         </a:t>
+            </a:r>
+            <a:r>
+              <a:rPr lang="en-US" b="1" dirty="0"/>
+              <a:t>"Rating"</a:t>
+            </a:r>
+            <a:r>
+              <a:rPr lang="en-US" dirty="0"/>
+              <a:t>:"",</a:t>
+            </a:r>
+            <a:br>
+              <a:rPr lang="en-US" dirty="0"/>
+            </a:br>
+            <a:r>
+              <a:rPr lang="en-US" dirty="0"/>
+              <a:t>         </a:t>
+            </a:r>
+            <a:r>
+              <a:rPr lang="en-US" b="1" dirty="0"/>
+              <a:t>"</a:t>
+            </a:r>
+            <a:r>
+              <a:rPr lang="en-US" b="1" dirty="0" err="1"/>
+              <a:t>RatingDescription</a:t>
+            </a:r>
+            <a:r>
+              <a:rPr lang="en-US" b="1" dirty="0"/>
+              <a:t>"</a:t>
+            </a:r>
+            <a:r>
+              <a:rPr lang="en-US" dirty="0"/>
+              <a:t>:"",</a:t>
+            </a:r>
+            <a:br>
+              <a:rPr lang="en-US" dirty="0"/>
+            </a:br>
+            <a:r>
+              <a:rPr lang="en-US" dirty="0"/>
+              <a:t>         </a:t>
+            </a:r>
+            <a:r>
+              <a:rPr lang="en-US" b="1" dirty="0"/>
+              <a:t>"</a:t>
+            </a:r>
+            <a:r>
+              <a:rPr lang="en-US" b="1" dirty="0" err="1"/>
+              <a:t>Status"</a:t>
+            </a:r>
+            <a:r>
+              <a:rPr lang="en-US" dirty="0" err="1"/>
+              <a:t>:"Stopped</a:t>
+            </a:r>
+            <a:r>
+              <a:rPr lang="en-US" dirty="0"/>
+              <a:t>"</a:t>
+            </a:r>
+            <a:br>
+              <a:rPr lang="en-US" dirty="0"/>
+            </a:br>
+            <a:r>
+              <a:rPr lang="en-US" dirty="0"/>
+              <a:t>      }</a:t>
+            </a:r>
+            <a:br>
+              <a:rPr lang="en-US" dirty="0"/>
+            </a:br>
+            <a:r>
+              <a:rPr lang="en-US" dirty="0"/>
+              <a:t>   ]</a:t>
+            </a:r>
+            <a:br>
+              <a:rPr lang="en-US" dirty="0"/>
+            </a:br>
+            <a:r>
+              <a:rPr lang="en-US" dirty="0"/>
+              <a:t>}</a:t>
+            </a:r>
+            <a:endParaRPr lang="en-US" dirty="0"/>
           </a:p>
         </p:txBody>
       </p:sp>
@@ -6385,7 +7037,43 @@
           <a:bodyPr/>
           <a:lstStyle/>
           <a:p>
-            <a:endParaRPr lang="en-US"/>
+            <a:r>
+              <a:rPr lang="de-AT" dirty="0" err="1" smtClean="0"/>
+              <a:t>Use</a:t>
+            </a:r>
+            <a:r>
+              <a:rPr lang="de-AT" dirty="0" smtClean="0"/>
+              <a:t> </a:t>
+            </a:r>
+            <a:r>
+              <a:rPr lang="de-AT" dirty="0" err="1" smtClean="0"/>
+              <a:t>DevStack</a:t>
+            </a:r>
+            <a:r>
+              <a:rPr lang="de-AT" dirty="0" smtClean="0"/>
+              <a:t> </a:t>
+            </a:r>
+            <a:r>
+              <a:rPr lang="de-AT" dirty="0" err="1" smtClean="0"/>
+              <a:t>for</a:t>
+            </a:r>
+            <a:r>
+              <a:rPr lang="de-AT" dirty="0" smtClean="0"/>
+              <a:t> a </a:t>
+            </a:r>
+            <a:r>
+              <a:rPr lang="de-AT" dirty="0" err="1" smtClean="0"/>
+              <a:t>single</a:t>
+            </a:r>
+            <a:r>
+              <a:rPr lang="de-AT" dirty="0" smtClean="0"/>
+              <a:t> </a:t>
+            </a:r>
+            <a:r>
+              <a:rPr lang="de-AT" dirty="0" err="1" smtClean="0"/>
+              <a:t>machine</a:t>
+            </a:r>
+            <a:endParaRPr lang="en-US" dirty="0"/>
           </a:p>
         </p:txBody>
       </p:sp>

--- a/3nd_sem/cc/le_gr_mu/01_Ex_Hm/Presentation/Enabling Technologies.pptx
+++ b/3nd_sem/cc/le_gr_mu/01_Ex_Hm/Presentation/Enabling Technologies.pptx
@@ -10,8 +10,9 @@
     <p:sldId id="258" r:id="rId4"/>
     <p:sldId id="263" r:id="rId5"/>
     <p:sldId id="260" r:id="rId6"/>
-    <p:sldId id="261" r:id="rId7"/>
-    <p:sldId id="262" r:id="rId8"/>
+    <p:sldId id="264" r:id="rId7"/>
+    <p:sldId id="261" r:id="rId8"/>
+    <p:sldId id="265" r:id="rId9"/>
   </p:sldIdLst>
   <p:sldSz cx="12192000" cy="6858000"/>
   <p:notesSz cx="6858000" cy="9144000"/>
@@ -112,7 +113,7 @@
   </p:defaultTextStyle>
   <p:extLst>
     <p:ext uri="{EFAFB233-063F-42B5-8137-9DF3F51BA10A}">
-      <p15:sldGuideLst xmlns:p15="http://schemas.microsoft.com/office/powerpoint/2012/main"/>
+      <p15:sldGuideLst xmlns:p15="http://schemas.microsoft.com/office/powerpoint/2012/main" xmlns=""/>
     </p:ext>
   </p:extLst>
 </p:presentation>
@@ -5993,13 +5994,13 @@
   <p:clrMapOvr>
     <a:masterClrMapping/>
   </p:clrMapOvr>
-  <mc:AlternateContent xmlns:mc="http://schemas.openxmlformats.org/markup-compatibility/2006">
-    <mc:Choice xmlns:p14="http://schemas.microsoft.com/office/powerpoint/2010/main" Requires="p14">
+  <mc:AlternateContent xmlns:mc="http://schemas.openxmlformats.org/markup-compatibility/2006" xmlns:p14="http://schemas.microsoft.com/office/powerpoint/2010/main">
+    <mc:Choice Requires="p14">
       <p:transition spd="med" p14:dur="700">
         <p:fade/>
       </p:transition>
     </mc:Choice>
-    <mc:Fallback>
+    <mc:Fallback xmlns="">
       <p:transition spd="med">
         <p:fade/>
       </p:transition>
@@ -6099,7 +6100,6 @@
               <a:rPr lang="de-AT" dirty="0" smtClean="0"/>
               <a:t>.NET</a:t>
             </a:r>
-            <a:endParaRPr lang="de-AT" dirty="0" smtClean="0"/>
           </a:p>
           <a:p>
             <a:endParaRPr lang="de-AT" dirty="0" smtClean="0"/>
@@ -6123,6 +6123,13 @@
   <p:clrMapOvr>
     <a:masterClrMapping/>
   </p:clrMapOvr>
+  <p:timing>
+    <p:tnLst>
+      <p:par>
+        <p:cTn id="1" dur="indefinite" restart="never" nodeType="tmRoot"/>
+      </p:par>
+    </p:tnLst>
+  </p:timing>
 </p:sld>
 </file>
 
@@ -6160,11 +6167,7 @@
           <a:p>
             <a:r>
               <a:rPr lang="de-AT" dirty="0" smtClean="0"/>
-              <a:t>Implementation </a:t>
-            </a:r>
-            <a:r>
-              <a:rPr lang="de-AT" dirty="0" smtClean="0"/>
-              <a:t>Detail - Service</a:t>
+              <a:t>Implementation Detail - Service</a:t>
             </a:r>
             <a:endParaRPr lang="en-US" dirty="0"/>
           </a:p>
@@ -6258,6 +6261,13 @@
   <p:clrMapOvr>
     <a:masterClrMapping/>
   </p:clrMapOvr>
+  <p:timing>
+    <p:tnLst>
+      <p:par>
+        <p:cTn id="1" dur="indefinite" restart="never" nodeType="tmRoot"/>
+      </p:par>
+    </p:tnLst>
+  </p:timing>
 </p:sld>
 </file>
 
@@ -6295,11 +6305,7 @@
           <a:p>
             <a:r>
               <a:rPr lang="de-AT" dirty="0" smtClean="0"/>
-              <a:t>Implementation </a:t>
-            </a:r>
-            <a:r>
-              <a:rPr lang="de-AT" dirty="0" smtClean="0"/>
-              <a:t>Detail - Client</a:t>
+              <a:t>Implementation Detail - Client</a:t>
             </a:r>
             <a:endParaRPr lang="en-US" dirty="0"/>
           </a:p>
@@ -6373,6 +6379,13 @@
   <p:clrMapOvr>
     <a:masterClrMapping/>
   </p:clrMapOvr>
+  <p:timing>
+    <p:tnLst>
+      <p:par>
+        <p:cTn id="1" dur="indefinite" restart="never" nodeType="tmRoot"/>
+      </p:par>
+    </p:tnLst>
+  </p:timing>
 </p:sld>
 </file>
 
@@ -6957,7 +6970,6 @@
               <a:rPr lang="en-US" dirty="0"/>
               <a:t>}</a:t>
             </a:r>
-            <a:endParaRPr lang="en-US" dirty="0"/>
           </a:p>
         </p:txBody>
       </p:sp>
@@ -6971,6 +6983,13 @@
   <p:clrMapOvr>
     <a:masterClrMapping/>
   </p:clrMapOvr>
+  <p:timing>
+    <p:tnLst>
+      <p:par>
+        <p:cTn id="1" dur="indefinite" restart="never" nodeType="tmRoot"/>
+      </p:par>
+    </p:tnLst>
+  </p:timing>
 </p:sld>
 </file>
 
@@ -7007,18 +7026,10 @@
           <a:lstStyle/>
           <a:p>
             <a:r>
-              <a:rPr lang="de-AT" dirty="0" err="1" smtClean="0"/>
-              <a:t>Lessons</a:t>
-            </a:r>
-            <a:r>
               <a:rPr lang="de-AT" dirty="0" smtClean="0"/>
-              <a:t> </a:t>
-            </a:r>
-            <a:r>
-              <a:rPr lang="de-AT" dirty="0" err="1" smtClean="0"/>
-              <a:t>Learned</a:t>
-            </a:r>
-            <a:endParaRPr lang="en-US" dirty="0"/>
+              <a:t>Problems</a:t>
+            </a:r>
+            <a:endParaRPr lang="de-AT" dirty="0"/>
           </a:p>
         </p:txBody>
       </p:sp>
@@ -7037,56 +7048,75 @@
           <a:bodyPr/>
           <a:lstStyle/>
           <a:p>
-            <a:r>
-              <a:rPr lang="de-AT" dirty="0" err="1" smtClean="0"/>
-              <a:t>Use</a:t>
-            </a:r>
-            <a:r>
-              <a:rPr lang="de-AT" dirty="0" smtClean="0"/>
-              <a:t> </a:t>
-            </a:r>
-            <a:r>
-              <a:rPr lang="de-AT" dirty="0" err="1" smtClean="0"/>
-              <a:t>DevStack</a:t>
-            </a:r>
-            <a:r>
-              <a:rPr lang="de-AT" dirty="0" smtClean="0"/>
-              <a:t> </a:t>
-            </a:r>
-            <a:r>
-              <a:rPr lang="de-AT" dirty="0" err="1" smtClean="0"/>
-              <a:t>for</a:t>
-            </a:r>
-            <a:r>
-              <a:rPr lang="de-AT" dirty="0" smtClean="0"/>
-              <a:t> a </a:t>
-            </a:r>
-            <a:r>
-              <a:rPr lang="de-AT" dirty="0" err="1" smtClean="0"/>
-              <a:t>single</a:t>
-            </a:r>
-            <a:r>
-              <a:rPr lang="de-AT" dirty="0" smtClean="0"/>
-              <a:t> </a:t>
-            </a:r>
-            <a:r>
-              <a:rPr lang="de-AT" dirty="0" err="1" smtClean="0"/>
-              <a:t>machine</a:t>
-            </a:r>
-            <a:endParaRPr lang="en-US" dirty="0"/>
+            <a:endParaRPr lang="en-AU" dirty="0" smtClean="0"/>
+          </a:p>
+          <a:p>
+            <a:endParaRPr lang="en-AU" dirty="0"/>
+          </a:p>
+          <a:p>
+            <a:r>
+              <a:rPr lang="en-AU" dirty="0" err="1" smtClean="0"/>
+              <a:t>Debian</a:t>
+            </a:r>
+            <a:r>
+              <a:rPr lang="en-AU" dirty="0" smtClean="0"/>
+              <a:t> – not really supported</a:t>
+            </a:r>
+          </a:p>
+          <a:p>
+            <a:endParaRPr lang="en-AU" dirty="0" smtClean="0"/>
+          </a:p>
+          <a:p>
+            <a:r>
+              <a:rPr lang="en-AU" dirty="0" smtClean="0"/>
+              <a:t>Documentation is confusing</a:t>
+            </a:r>
+          </a:p>
+          <a:p>
+            <a:endParaRPr lang="en-AU" dirty="0"/>
+          </a:p>
+          <a:p>
+            <a:r>
+              <a:rPr lang="en-AU" dirty="0" smtClean="0"/>
+              <a:t>Step by step guide for configuring </a:t>
+            </a:r>
+            <a:r>
+              <a:rPr lang="en-AU" dirty="0" err="1" smtClean="0"/>
+              <a:t>Openstack</a:t>
+            </a:r>
+            <a:r>
+              <a:rPr lang="en-AU" dirty="0" smtClean="0"/>
+              <a:t> is not working</a:t>
+            </a:r>
+          </a:p>
+          <a:p>
+            <a:endParaRPr lang="en-AU" dirty="0" smtClean="0"/>
+          </a:p>
+          <a:p>
+            <a:endParaRPr lang="en-AU" dirty="0"/>
+          </a:p>
+          <a:p>
+            <a:endParaRPr lang="en-AU" dirty="0"/>
           </a:p>
         </p:txBody>
       </p:sp>
     </p:spTree>
     <p:extLst>
       <p:ext uri="{BB962C8B-B14F-4D97-AF65-F5344CB8AC3E}">
-        <p14:creationId xmlns:p14="http://schemas.microsoft.com/office/powerpoint/2010/main" val="4010221595"/>
+        <p14:creationId xmlns:p14="http://schemas.microsoft.com/office/powerpoint/2010/main" val="3899936956"/>
       </p:ext>
     </p:extLst>
   </p:cSld>
   <p:clrMapOvr>
     <a:masterClrMapping/>
   </p:clrMapOvr>
+  <p:timing>
+    <p:tnLst>
+      <p:par>
+        <p:cTn id="1" dur="indefinite" restart="never" nodeType="tmRoot"/>
+      </p:par>
+    </p:tnLst>
+  </p:timing>
 </p:sld>
 </file>
 
@@ -7123,8 +7153,16 @@
           <a:lstStyle/>
           <a:p>
             <a:r>
+              <a:rPr lang="de-AT" dirty="0" err="1" smtClean="0"/>
+              <a:t>Lessons</a:t>
+            </a:r>
+            <a:r>
               <a:rPr lang="de-AT" dirty="0" smtClean="0"/>
-              <a:t>Demo</a:t>
+              <a:t> </a:t>
+            </a:r>
+            <a:r>
+              <a:rPr lang="de-AT" dirty="0" err="1" smtClean="0"/>
+              <a:t>Learned</a:t>
             </a:r>
             <a:endParaRPr lang="en-US" dirty="0"/>
           </a:p>
@@ -7145,20 +7183,130 @@
           <a:bodyPr/>
           <a:lstStyle/>
           <a:p>
-            <a:endParaRPr lang="en-US"/>
+            <a:endParaRPr lang="en-AU" dirty="0" smtClean="0"/>
+          </a:p>
+          <a:p>
+            <a:endParaRPr lang="en-AU" dirty="0" smtClean="0"/>
+          </a:p>
+          <a:p>
+            <a:endParaRPr lang="en-AU" dirty="0" smtClean="0"/>
+          </a:p>
+          <a:p>
+            <a:r>
+              <a:rPr lang="en-AU" dirty="0" smtClean="0"/>
+              <a:t>Use </a:t>
+            </a:r>
+            <a:r>
+              <a:rPr lang="en-AU" dirty="0" err="1" smtClean="0"/>
+              <a:t>DevStack</a:t>
+            </a:r>
+            <a:r>
+              <a:rPr lang="en-AU" dirty="0" smtClean="0"/>
+              <a:t> for a single machine</a:t>
+            </a:r>
+          </a:p>
+          <a:p>
+            <a:endParaRPr lang="en-AU" dirty="0" smtClean="0"/>
+          </a:p>
+          <a:p>
+            <a:r>
+              <a:rPr lang="en-AU" dirty="0" smtClean="0"/>
+              <a:t>Design </a:t>
+            </a:r>
+            <a:r>
+              <a:rPr lang="en-AU" smtClean="0"/>
+              <a:t>suitable message </a:t>
+            </a:r>
+            <a:r>
+              <a:rPr lang="en-AU" dirty="0" smtClean="0"/>
+              <a:t>format</a:t>
+            </a:r>
           </a:p>
         </p:txBody>
       </p:sp>
     </p:spTree>
     <p:extLst>
       <p:ext uri="{BB962C8B-B14F-4D97-AF65-F5344CB8AC3E}">
-        <p14:creationId xmlns:p14="http://schemas.microsoft.com/office/powerpoint/2010/main" val="2039331800"/>
+        <p14:creationId xmlns:p14="http://schemas.microsoft.com/office/powerpoint/2010/main" val="4010221595"/>
       </p:ext>
     </p:extLst>
   </p:cSld>
   <p:clrMapOvr>
     <a:masterClrMapping/>
   </p:clrMapOvr>
+  <p:timing>
+    <p:tnLst>
+      <p:par>
+        <p:cTn id="1" dur="indefinite" restart="never" nodeType="tmRoot"/>
+      </p:par>
+    </p:tnLst>
+  </p:timing>
+</p:sld>
+</file>
+
+<file path=ppt/slides/slide8.xml><?xml version="1.0" encoding="utf-8"?>
+<p:sld xmlns:a="http://schemas.openxmlformats.org/drawingml/2006/main" xmlns:r="http://schemas.openxmlformats.org/officeDocument/2006/relationships" xmlns:p="http://schemas.openxmlformats.org/presentationml/2006/main">
+  <p:cSld>
+    <p:spTree>
+      <p:nvGrpSpPr>
+        <p:cNvPr id="1" name=""/>
+        <p:cNvGrpSpPr/>
+        <p:nvPr/>
+      </p:nvGrpSpPr>
+      <p:grpSpPr>
+        <a:xfrm>
+          <a:off x="0" y="0"/>
+          <a:ext cx="0" cy="0"/>
+          <a:chOff x="0" y="0"/>
+          <a:chExt cx="0" cy="0"/>
+        </a:xfrm>
+      </p:grpSpPr>
+      <p:sp>
+        <p:nvSpPr>
+          <p:cNvPr id="2" name="Titel 1"/>
+          <p:cNvSpPr>
+            <a:spLocks noGrp="1"/>
+          </p:cNvSpPr>
+          <p:nvPr>
+            <p:ph type="title"/>
+          </p:nvPr>
+        </p:nvSpPr>
+        <p:spPr>
+          <a:xfrm>
+            <a:off x="1399329" y="2711642"/>
+            <a:ext cx="8825657" cy="1182842"/>
+          </a:xfrm>
+        </p:spPr>
+        <p:txBody>
+          <a:bodyPr/>
+          <a:lstStyle/>
+          <a:p>
+            <a:pPr algn="ctr"/>
+            <a:r>
+              <a:rPr lang="de-AT" sz="6000" dirty="0" smtClean="0"/>
+              <a:t>DEMO</a:t>
+            </a:r>
+            <a:endParaRPr lang="de-AT" sz="6000" dirty="0"/>
+          </a:p>
+        </p:txBody>
+      </p:sp>
+    </p:spTree>
+    <p:extLst>
+      <p:ext uri="{BB962C8B-B14F-4D97-AF65-F5344CB8AC3E}">
+        <p14:creationId xmlns:p14="http://schemas.microsoft.com/office/powerpoint/2010/main" val="2110012689"/>
+      </p:ext>
+    </p:extLst>
+  </p:cSld>
+  <p:clrMapOvr>
+    <a:masterClrMapping/>
+  </p:clrMapOvr>
+  <p:timing>
+    <p:tnLst>
+      <p:par>
+        <p:cTn id="1" dur="indefinite" restart="never" nodeType="tmRoot"/>
+      </p:par>
+    </p:tnLst>
+  </p:timing>
 </p:sld>
 </file>
 
@@ -7421,7 +7569,7 @@
   <a:extraClrSchemeLst/>
   <a:extLst>
     <a:ext uri="{05A4C25C-085E-4340-85A3-A5531E510DB2}">
-      <thm15:themeFamily xmlns:thm15="http://schemas.microsoft.com/office/thememl/2012/main" name="Ion" id="{B8441ADB-2E43-4AF7-B97A-BD870242C6A8}" vid="{BACC050B-8757-4460-95D8-E37B46A6B421}"/>
+      <thm15:themeFamily xmlns:thm15="http://schemas.microsoft.com/office/thememl/2012/main" xmlns="" name="Ion" id="{B8441ADB-2E43-4AF7-B97A-BD870242C6A8}" vid="{BACC050B-8757-4460-95D8-E37B46A6B421}"/>
     </a:ext>
   </a:extLst>
 </a:theme>

--- a/3nd_sem/cc/le_gr_mu/01_Ex_Hm/Presentation/Enabling Technologies.pptx
+++ b/3nd_sem/cc/le_gr_mu/01_Ex_Hm/Presentation/Enabling Technologies.pptx
@@ -113,7 +113,7 @@
   </p:defaultTextStyle>
   <p:extLst>
     <p:ext uri="{EFAFB233-063F-42B5-8137-9DF3F51BA10A}">
-      <p15:sldGuideLst xmlns:p15="http://schemas.microsoft.com/office/powerpoint/2012/main" xmlns=""/>
+      <p15:sldGuideLst xmlns="" xmlns:p15="http://schemas.microsoft.com/office/powerpoint/2012/main"/>
     </p:ext>
   </p:extLst>
 </p:presentation>
@@ -6109,6 +6109,16 @@
               <a:rPr lang="de-AT" dirty="0" err="1" smtClean="0"/>
               <a:t>NodeJs</a:t>
             </a:r>
+            <a:endParaRPr lang="de-AT" dirty="0" smtClean="0"/>
+          </a:p>
+          <a:p>
+            <a:endParaRPr lang="de-AT" dirty="0"/>
+          </a:p>
+          <a:p>
+            <a:r>
+              <a:rPr lang="de-AT" smtClean="0"/>
+              <a:t>Ubuntu 14.04.1</a:t>
+            </a:r>
             <a:endParaRPr lang="en-US" dirty="0"/>
           </a:p>
         </p:txBody>
@@ -7569,7 +7579,7 @@
   <a:extraClrSchemeLst/>
   <a:extLst>
     <a:ext uri="{05A4C25C-085E-4340-85A3-A5531E510DB2}">
-      <thm15:themeFamily xmlns:thm15="http://schemas.microsoft.com/office/thememl/2012/main" xmlns="" name="Ion" id="{B8441ADB-2E43-4AF7-B97A-BD870242C6A8}" vid="{BACC050B-8757-4460-95D8-E37B46A6B421}"/>
+      <thm15:themeFamily xmlns="" xmlns:thm15="http://schemas.microsoft.com/office/thememl/2012/main" name="Ion" id="{B8441ADB-2E43-4AF7-B97A-BD870242C6A8}" vid="{BACC050B-8757-4460-95D8-E37B46A6B421}"/>
     </a:ext>
   </a:extLst>
 </a:theme>

--- a/3nd_sem/cc/le_gr_mu/01_Ex_Hm/Presentation/Enabling Technologies.pptx
+++ b/3nd_sem/cc/le_gr_mu/01_Ex_Hm/Presentation/Enabling Technologies.pptx
@@ -7,12 +7,13 @@
   <p:sldIdLst>
     <p:sldId id="256" r:id="rId2"/>
     <p:sldId id="257" r:id="rId3"/>
-    <p:sldId id="258" r:id="rId4"/>
-    <p:sldId id="263" r:id="rId5"/>
-    <p:sldId id="260" r:id="rId6"/>
-    <p:sldId id="264" r:id="rId7"/>
-    <p:sldId id="261" r:id="rId8"/>
-    <p:sldId id="265" r:id="rId9"/>
+    <p:sldId id="266" r:id="rId4"/>
+    <p:sldId id="258" r:id="rId5"/>
+    <p:sldId id="263" r:id="rId6"/>
+    <p:sldId id="260" r:id="rId7"/>
+    <p:sldId id="264" r:id="rId8"/>
+    <p:sldId id="261" r:id="rId9"/>
+    <p:sldId id="265" r:id="rId10"/>
   </p:sldIdLst>
   <p:sldSz cx="12192000" cy="6858000"/>
   <p:notesSz cx="6858000" cy="9144000"/>
@@ -113,7 +114,18 @@
   </p:defaultTextStyle>
   <p:extLst>
     <p:ext uri="{EFAFB233-063F-42B5-8137-9DF3F51BA10A}">
-      <p15:sldGuideLst xmlns="" xmlns:p15="http://schemas.microsoft.com/office/powerpoint/2012/main"/>
+      <p15:sldGuideLst xmlns:p15="http://schemas.microsoft.com/office/powerpoint/2012/main">
+        <p15:guide id="1" orient="horz" pos="2160">
+          <p15:clr>
+            <a:srgbClr val="A4A3A4"/>
+          </p15:clr>
+        </p15:guide>
+        <p15:guide id="2" pos="3840">
+          <p15:clr>
+            <a:srgbClr val="A4A3A4"/>
+          </p15:clr>
+        </p15:guide>
+      </p15:sldGuideLst>
     </p:ext>
   </p:extLst>
 </p:presentation>
@@ -5994,13 +6006,13 @@
   <p:clrMapOvr>
     <a:masterClrMapping/>
   </p:clrMapOvr>
-  <mc:AlternateContent xmlns:mc="http://schemas.openxmlformats.org/markup-compatibility/2006" xmlns:p14="http://schemas.microsoft.com/office/powerpoint/2010/main">
-    <mc:Choice Requires="p14">
+  <mc:AlternateContent xmlns:mc="http://schemas.openxmlformats.org/markup-compatibility/2006">
+    <mc:Choice xmlns:p14="http://schemas.microsoft.com/office/powerpoint/2010/main" Requires="p14">
       <p:transition spd="med" p14:dur="700">
         <p:fade/>
       </p:transition>
     </mc:Choice>
-    <mc:Fallback xmlns="">
+    <mc:Fallback>
       <p:transition spd="med">
         <p:fade/>
       </p:transition>
@@ -6133,6 +6145,18 @@
   <p:clrMapOvr>
     <a:masterClrMapping/>
   </p:clrMapOvr>
+  <mc:AlternateContent xmlns:mc="http://schemas.openxmlformats.org/markup-compatibility/2006">
+    <mc:Choice xmlns:p14="http://schemas.microsoft.com/office/powerpoint/2010/main" Requires="p14">
+      <p:transition spd="med" p14:dur="700">
+        <p:fade/>
+      </p:transition>
+    </mc:Choice>
+    <mc:Fallback>
+      <p:transition spd="med">
+        <p:fade/>
+      </p:transition>
+    </mc:Fallback>
+  </mc:AlternateContent>
   <p:timing>
     <p:tnLst>
       <p:par>
@@ -6144,6 +6168,368 @@
 </file>
 
 <file path=ppt/slides/slide3.xml><?xml version="1.0" encoding="utf-8"?>
+<p:sld xmlns:a="http://schemas.openxmlformats.org/drawingml/2006/main" xmlns:r="http://schemas.openxmlformats.org/officeDocument/2006/relationships" xmlns:p="http://schemas.openxmlformats.org/presentationml/2006/main">
+  <p:cSld>
+    <p:spTree>
+      <p:nvGrpSpPr>
+        <p:cNvPr id="1" name=""/>
+        <p:cNvGrpSpPr/>
+        <p:nvPr/>
+      </p:nvGrpSpPr>
+      <p:grpSpPr>
+        <a:xfrm>
+          <a:off x="0" y="0"/>
+          <a:ext cx="0" cy="0"/>
+          <a:chOff x="0" y="0"/>
+          <a:chExt cx="0" cy="0"/>
+        </a:xfrm>
+      </p:grpSpPr>
+      <p:sp>
+        <p:nvSpPr>
+          <p:cNvPr id="2" name="Titel 1"/>
+          <p:cNvSpPr>
+            <a:spLocks noGrp="1"/>
+          </p:cNvSpPr>
+          <p:nvPr>
+            <p:ph type="title"/>
+          </p:nvPr>
+        </p:nvSpPr>
+        <p:spPr/>
+        <p:txBody>
+          <a:bodyPr/>
+          <a:lstStyle/>
+          <a:p>
+            <a:r>
+              <a:rPr lang="de-AT" dirty="0" smtClean="0"/>
+              <a:t>Interface Design</a:t>
+            </a:r>
+            <a:endParaRPr lang="en-US" dirty="0"/>
+          </a:p>
+        </p:txBody>
+      </p:sp>
+      <p:sp>
+        <p:nvSpPr>
+          <p:cNvPr id="3" name="Inhaltsplatzhalter 2"/>
+          <p:cNvSpPr>
+            <a:spLocks noGrp="1"/>
+          </p:cNvSpPr>
+          <p:nvPr>
+            <p:ph idx="1"/>
+          </p:nvPr>
+        </p:nvSpPr>
+        <p:spPr/>
+        <p:txBody>
+          <a:bodyPr/>
+          <a:lstStyle/>
+          <a:p>
+            <a:endParaRPr lang="en-US" dirty="0"/>
+          </a:p>
+        </p:txBody>
+      </p:sp>
+      <p:sp>
+        <p:nvSpPr>
+          <p:cNvPr id="4" name="Rechteck 3"/>
+          <p:cNvSpPr/>
+          <p:nvPr/>
+        </p:nvSpPr>
+        <p:spPr>
+          <a:xfrm>
+            <a:off x="1530541" y="3532017"/>
+            <a:ext cx="2079966" cy="973267"/>
+          </a:xfrm>
+          <a:prstGeom prst="rect">
+            <a:avLst/>
+          </a:prstGeom>
+        </p:spPr>
+        <p:style>
+          <a:lnRef idx="2">
+            <a:schemeClr val="accent2">
+              <a:shade val="50000"/>
+            </a:schemeClr>
+          </a:lnRef>
+          <a:fillRef idx="1">
+            <a:schemeClr val="accent2"/>
+          </a:fillRef>
+          <a:effectRef idx="0">
+            <a:schemeClr val="accent2"/>
+          </a:effectRef>
+          <a:fontRef idx="minor">
+            <a:schemeClr val="lt1"/>
+          </a:fontRef>
+        </p:style>
+        <p:txBody>
+          <a:bodyPr rtlCol="0" anchor="ctr"/>
+          <a:lstStyle/>
+          <a:p>
+            <a:pPr algn="ctr"/>
+            <a:r>
+              <a:rPr lang="de-AT" dirty="0" smtClean="0"/>
+              <a:t>Client</a:t>
+            </a:r>
+            <a:endParaRPr lang="en-US" dirty="0"/>
+          </a:p>
+        </p:txBody>
+      </p:sp>
+      <p:sp>
+        <p:nvSpPr>
+          <p:cNvPr id="5" name="Rechteck 4"/>
+          <p:cNvSpPr/>
+          <p:nvPr/>
+        </p:nvSpPr>
+        <p:spPr>
+          <a:xfrm>
+            <a:off x="4351576" y="3532017"/>
+            <a:ext cx="2079966" cy="973267"/>
+          </a:xfrm>
+          <a:prstGeom prst="rect">
+            <a:avLst/>
+          </a:prstGeom>
+          <a:ln/>
+        </p:spPr>
+        <p:style>
+          <a:lnRef idx="2">
+            <a:schemeClr val="accent4">
+              <a:shade val="50000"/>
+            </a:schemeClr>
+          </a:lnRef>
+          <a:fillRef idx="1">
+            <a:schemeClr val="accent4"/>
+          </a:fillRef>
+          <a:effectRef idx="0">
+            <a:schemeClr val="accent4"/>
+          </a:effectRef>
+          <a:fontRef idx="minor">
+            <a:schemeClr val="lt1"/>
+          </a:fontRef>
+        </p:style>
+        <p:txBody>
+          <a:bodyPr rtlCol="0" anchor="ctr"/>
+          <a:lstStyle/>
+          <a:p>
+            <a:pPr algn="ctr"/>
+            <a:r>
+              <a:rPr lang="de-AT" dirty="0" err="1" smtClean="0"/>
+              <a:t>CloudMarket</a:t>
+            </a:r>
+            <a:r>
+              <a:rPr lang="de-AT" dirty="0" smtClean="0"/>
+              <a:t> Service</a:t>
+            </a:r>
+            <a:endParaRPr lang="en-US" dirty="0"/>
+          </a:p>
+        </p:txBody>
+      </p:sp>
+      <p:sp>
+        <p:nvSpPr>
+          <p:cNvPr id="6" name="Rechteck 5"/>
+          <p:cNvSpPr/>
+          <p:nvPr/>
+        </p:nvSpPr>
+        <p:spPr>
+          <a:xfrm>
+            <a:off x="7200714" y="3532016"/>
+            <a:ext cx="2079966" cy="973267"/>
+          </a:xfrm>
+          <a:prstGeom prst="rect">
+            <a:avLst/>
+          </a:prstGeom>
+        </p:spPr>
+        <p:style>
+          <a:lnRef idx="2">
+            <a:schemeClr val="accent6">
+              <a:shade val="50000"/>
+            </a:schemeClr>
+          </a:lnRef>
+          <a:fillRef idx="1">
+            <a:schemeClr val="accent6"/>
+          </a:fillRef>
+          <a:effectRef idx="0">
+            <a:schemeClr val="accent6"/>
+          </a:effectRef>
+          <a:fontRef idx="minor">
+            <a:schemeClr val="lt1"/>
+          </a:fontRef>
+        </p:style>
+        <p:txBody>
+          <a:bodyPr rtlCol="0" anchor="ctr"/>
+          <a:lstStyle/>
+          <a:p>
+            <a:pPr algn="ctr"/>
+            <a:r>
+              <a:rPr lang="de-AT" dirty="0" err="1" smtClean="0"/>
+              <a:t>OpenStack</a:t>
+            </a:r>
+            <a:endParaRPr lang="en-US" dirty="0"/>
+          </a:p>
+        </p:txBody>
+      </p:sp>
+      <p:cxnSp>
+        <p:nvCxnSpPr>
+          <p:cNvPr id="8" name="Gerade Verbindung mit Pfeil 7"/>
+          <p:cNvCxnSpPr/>
+          <p:nvPr/>
+        </p:nvCxnSpPr>
+        <p:spPr>
+          <a:xfrm>
+            <a:off x="3610507" y="3716468"/>
+            <a:ext cx="741069" cy="2"/>
+          </a:xfrm>
+          <a:prstGeom prst="straightConnector1">
+            <a:avLst/>
+          </a:prstGeom>
+          <a:ln>
+            <a:tailEnd type="triangle"/>
+          </a:ln>
+        </p:spPr>
+        <p:style>
+          <a:lnRef idx="1">
+            <a:schemeClr val="accent1"/>
+          </a:lnRef>
+          <a:fillRef idx="0">
+            <a:schemeClr val="accent1"/>
+          </a:fillRef>
+          <a:effectRef idx="0">
+            <a:schemeClr val="accent1"/>
+          </a:effectRef>
+          <a:fontRef idx="minor">
+            <a:schemeClr val="tx1"/>
+          </a:fontRef>
+        </p:style>
+      </p:cxnSp>
+      <p:cxnSp>
+        <p:nvCxnSpPr>
+          <p:cNvPr id="10" name="Gerade Verbindung mit Pfeil 9"/>
+          <p:cNvCxnSpPr/>
+          <p:nvPr/>
+        </p:nvCxnSpPr>
+        <p:spPr>
+          <a:xfrm>
+            <a:off x="6445594" y="4297266"/>
+            <a:ext cx="755120" cy="1"/>
+          </a:xfrm>
+          <a:prstGeom prst="straightConnector1">
+            <a:avLst/>
+          </a:prstGeom>
+          <a:ln>
+            <a:headEnd type="triangle"/>
+            <a:tailEnd type="none"/>
+          </a:ln>
+        </p:spPr>
+        <p:style>
+          <a:lnRef idx="1">
+            <a:schemeClr val="accent1"/>
+          </a:lnRef>
+          <a:fillRef idx="0">
+            <a:schemeClr val="accent1"/>
+          </a:fillRef>
+          <a:effectRef idx="0">
+            <a:schemeClr val="accent1"/>
+          </a:effectRef>
+          <a:fontRef idx="minor">
+            <a:schemeClr val="tx1"/>
+          </a:fontRef>
+        </p:style>
+      </p:cxnSp>
+      <p:cxnSp>
+        <p:nvCxnSpPr>
+          <p:cNvPr id="11" name="Gerade Verbindung mit Pfeil 10"/>
+          <p:cNvCxnSpPr/>
+          <p:nvPr/>
+        </p:nvCxnSpPr>
+        <p:spPr>
+          <a:xfrm>
+            <a:off x="6464678" y="3716466"/>
+            <a:ext cx="741069" cy="2"/>
+          </a:xfrm>
+          <a:prstGeom prst="straightConnector1">
+            <a:avLst/>
+          </a:prstGeom>
+          <a:ln>
+            <a:tailEnd type="triangle"/>
+          </a:ln>
+        </p:spPr>
+        <p:style>
+          <a:lnRef idx="1">
+            <a:schemeClr val="accent1"/>
+          </a:lnRef>
+          <a:fillRef idx="0">
+            <a:schemeClr val="accent1"/>
+          </a:fillRef>
+          <a:effectRef idx="0">
+            <a:schemeClr val="accent1"/>
+          </a:effectRef>
+          <a:fontRef idx="minor">
+            <a:schemeClr val="tx1"/>
+          </a:fontRef>
+        </p:style>
+      </p:cxnSp>
+      <p:cxnSp>
+        <p:nvCxnSpPr>
+          <p:cNvPr id="12" name="Gerade Verbindung mit Pfeil 11"/>
+          <p:cNvCxnSpPr/>
+          <p:nvPr/>
+        </p:nvCxnSpPr>
+        <p:spPr>
+          <a:xfrm>
+            <a:off x="3596148" y="4297265"/>
+            <a:ext cx="755120" cy="1"/>
+          </a:xfrm>
+          <a:prstGeom prst="straightConnector1">
+            <a:avLst/>
+          </a:prstGeom>
+          <a:ln>
+            <a:headEnd type="triangle"/>
+            <a:tailEnd type="none"/>
+          </a:ln>
+        </p:spPr>
+        <p:style>
+          <a:lnRef idx="1">
+            <a:schemeClr val="accent1"/>
+          </a:lnRef>
+          <a:fillRef idx="0">
+            <a:schemeClr val="accent1"/>
+          </a:fillRef>
+          <a:effectRef idx="0">
+            <a:schemeClr val="accent1"/>
+          </a:effectRef>
+          <a:fontRef idx="minor">
+            <a:schemeClr val="tx1"/>
+          </a:fontRef>
+        </p:style>
+      </p:cxnSp>
+    </p:spTree>
+    <p:extLst>
+      <p:ext uri="{BB962C8B-B14F-4D97-AF65-F5344CB8AC3E}">
+        <p14:creationId xmlns:p14="http://schemas.microsoft.com/office/powerpoint/2010/main" val="680424253"/>
+      </p:ext>
+    </p:extLst>
+  </p:cSld>
+  <p:clrMapOvr>
+    <a:masterClrMapping/>
+  </p:clrMapOvr>
+  <mc:AlternateContent xmlns:mc="http://schemas.openxmlformats.org/markup-compatibility/2006">
+    <mc:Choice xmlns:p14="http://schemas.microsoft.com/office/powerpoint/2010/main" Requires="p14">
+      <p:transition spd="med" p14:dur="700">
+        <p:fade/>
+      </p:transition>
+    </mc:Choice>
+    <mc:Fallback>
+      <p:transition spd="med">
+        <p:fade/>
+      </p:transition>
+    </mc:Fallback>
+  </mc:AlternateContent>
+  <p:timing>
+    <p:tnLst>
+      <p:par>
+        <p:cTn id="1" dur="indefinite" restart="never" nodeType="tmRoot"/>
+      </p:par>
+    </p:tnLst>
+  </p:timing>
+</p:sld>
+</file>
+
+<file path=ppt/slides/slide4.xml><?xml version="1.0" encoding="utf-8"?>
 <p:sld xmlns:a="http://schemas.openxmlformats.org/drawingml/2006/main" xmlns:r="http://schemas.openxmlformats.org/officeDocument/2006/relationships" xmlns:p="http://schemas.openxmlformats.org/presentationml/2006/main">
   <p:cSld>
     <p:spTree>
@@ -6271,6 +6657,18 @@
   <p:clrMapOvr>
     <a:masterClrMapping/>
   </p:clrMapOvr>
+  <mc:AlternateContent xmlns:mc="http://schemas.openxmlformats.org/markup-compatibility/2006">
+    <mc:Choice xmlns:p14="http://schemas.microsoft.com/office/powerpoint/2010/main" Requires="p14">
+      <p:transition spd="med" p14:dur="700">
+        <p:fade/>
+      </p:transition>
+    </mc:Choice>
+    <mc:Fallback>
+      <p:transition spd="med">
+        <p:fade/>
+      </p:transition>
+    </mc:Fallback>
+  </mc:AlternateContent>
   <p:timing>
     <p:tnLst>
       <p:par>
@@ -6281,7 +6679,7 @@
 </p:sld>
 </file>
 
-<file path=ppt/slides/slide4.xml><?xml version="1.0" encoding="utf-8"?>
+<file path=ppt/slides/slide5.xml><?xml version="1.0" encoding="utf-8"?>
 <p:sld xmlns:a="http://schemas.openxmlformats.org/drawingml/2006/main" xmlns:r="http://schemas.openxmlformats.org/officeDocument/2006/relationships" xmlns:p="http://schemas.openxmlformats.org/presentationml/2006/main">
   <p:cSld>
     <p:spTree>
@@ -6389,610 +6787,18 @@
   <p:clrMapOvr>
     <a:masterClrMapping/>
   </p:clrMapOvr>
-  <p:timing>
-    <p:tnLst>
-      <p:par>
-        <p:cTn id="1" dur="indefinite" restart="never" nodeType="tmRoot"/>
-      </p:par>
-    </p:tnLst>
-  </p:timing>
-</p:sld>
-</file>
-
-<file path=ppt/slides/slide5.xml><?xml version="1.0" encoding="utf-8"?>
-<p:sld xmlns:a="http://schemas.openxmlformats.org/drawingml/2006/main" xmlns:r="http://schemas.openxmlformats.org/officeDocument/2006/relationships" xmlns:p="http://schemas.openxmlformats.org/presentationml/2006/main">
-  <p:cSld>
-    <p:spTree>
-      <p:nvGrpSpPr>
-        <p:cNvPr id="1" name=""/>
-        <p:cNvGrpSpPr/>
-        <p:nvPr/>
-      </p:nvGrpSpPr>
-      <p:grpSpPr>
-        <a:xfrm>
-          <a:off x="0" y="0"/>
-          <a:ext cx="0" cy="0"/>
-          <a:chOff x="0" y="0"/>
-          <a:chExt cx="0" cy="0"/>
-        </a:xfrm>
-      </p:grpSpPr>
-      <p:sp>
-        <p:nvSpPr>
-          <p:cNvPr id="2" name="Titel 1"/>
-          <p:cNvSpPr>
-            <a:spLocks noGrp="1"/>
-          </p:cNvSpPr>
-          <p:nvPr>
-            <p:ph type="title"/>
-          </p:nvPr>
-        </p:nvSpPr>
-        <p:spPr/>
-        <p:txBody>
-          <a:bodyPr/>
-          <a:lstStyle/>
-          <a:p>
-            <a:r>
-              <a:rPr lang="de-AT" dirty="0" smtClean="0"/>
-              <a:t>Message Pattern</a:t>
-            </a:r>
-            <a:endParaRPr lang="en-US" dirty="0"/>
-          </a:p>
-        </p:txBody>
-      </p:sp>
-      <p:sp>
-        <p:nvSpPr>
-          <p:cNvPr id="3" name="Inhaltsplatzhalter 2"/>
-          <p:cNvSpPr>
-            <a:spLocks noGrp="1"/>
-          </p:cNvSpPr>
-          <p:nvPr>
-            <p:ph idx="1"/>
-          </p:nvPr>
-        </p:nvSpPr>
-        <p:spPr>
-          <a:xfrm>
-            <a:off x="1103312" y="1483448"/>
-            <a:ext cx="8946541" cy="4968370"/>
-          </a:xfrm>
-        </p:spPr>
-        <p:txBody>
-          <a:bodyPr>
-            <a:normAutofit fontScale="62500" lnSpcReduction="20000"/>
-          </a:bodyPr>
-          <a:lstStyle/>
-          <a:p>
-            <a:r>
-              <a:rPr lang="de-AT" dirty="0" smtClean="0"/>
-              <a:t>REST Service</a:t>
-            </a:r>
-          </a:p>
-          <a:p>
-            <a:r>
-              <a:rPr lang="de-AT" dirty="0" smtClean="0"/>
-              <a:t>Request – Search </a:t>
-            </a:r>
-            <a:r>
-              <a:rPr lang="de-AT" dirty="0" err="1" smtClean="0"/>
-              <a:t>for</a:t>
-            </a:r>
-            <a:r>
-              <a:rPr lang="de-AT" dirty="0" smtClean="0"/>
-              <a:t> Virtual </a:t>
-            </a:r>
-            <a:r>
-              <a:rPr lang="de-AT" dirty="0" err="1" smtClean="0"/>
-              <a:t>Machine</a:t>
-            </a:r>
-            <a:r>
-              <a:rPr lang="de-AT" dirty="0" smtClean="0"/>
-              <a:t> </a:t>
-            </a:r>
-            <a:r>
-              <a:rPr lang="de-AT" dirty="0" err="1" smtClean="0"/>
-              <a:t>or</a:t>
-            </a:r>
-            <a:r>
-              <a:rPr lang="de-AT" dirty="0" smtClean="0"/>
-              <a:t> Appliance</a:t>
-            </a:r>
-          </a:p>
-          <a:p>
-            <a:pPr lvl="1"/>
-            <a:r>
-              <a:rPr lang="en-US" dirty="0"/>
-              <a:t>http://localhost:1337/machine/all/Virt</a:t>
-            </a:r>
-            <a:endParaRPr lang="de-AT" dirty="0" smtClean="0"/>
-          </a:p>
-          <a:p>
-            <a:pPr lvl="1"/>
-            <a:r>
-              <a:rPr lang="de-AT" dirty="0" smtClean="0"/>
-              <a:t>JSON </a:t>
-            </a:r>
-            <a:r>
-              <a:rPr lang="de-AT" dirty="0" err="1" smtClean="0"/>
-              <a:t>response</a:t>
-            </a:r>
-            <a:endParaRPr lang="de-AT" dirty="0" smtClean="0"/>
-          </a:p>
-          <a:p>
-            <a:pPr marL="857250" lvl="2" indent="0">
-              <a:buNone/>
-            </a:pPr>
-            <a:r>
-              <a:rPr lang="en-US" dirty="0" smtClean="0"/>
-              <a:t>{</a:t>
-            </a:r>
-            <a:r>
-              <a:rPr lang="en-US" dirty="0"/>
-              <a:t>  </a:t>
-            </a:r>
-            <a:br>
-              <a:rPr lang="en-US" dirty="0"/>
-            </a:br>
-            <a:r>
-              <a:rPr lang="en-US" dirty="0"/>
-              <a:t>   </a:t>
-            </a:r>
-            <a:r>
-              <a:rPr lang="en-US" b="1" dirty="0"/>
-              <a:t>"</a:t>
-            </a:r>
-            <a:r>
-              <a:rPr lang="en-US" b="1" dirty="0" err="1"/>
-              <a:t>Success"</a:t>
-            </a:r>
-            <a:r>
-              <a:rPr lang="en-US" dirty="0" err="1"/>
-              <a:t>:true</a:t>
-            </a:r>
-            <a:r>
-              <a:rPr lang="en-US" dirty="0"/>
-              <a:t>,</a:t>
-            </a:r>
-            <a:br>
-              <a:rPr lang="en-US" dirty="0"/>
-            </a:br>
-            <a:r>
-              <a:rPr lang="en-US" dirty="0"/>
-              <a:t>   </a:t>
-            </a:r>
-            <a:r>
-              <a:rPr lang="en-US" b="1" dirty="0"/>
-              <a:t>"</a:t>
-            </a:r>
-            <a:r>
-              <a:rPr lang="en-US" b="1" dirty="0" err="1"/>
-              <a:t>ErrorMessage</a:t>
-            </a:r>
-            <a:r>
-              <a:rPr lang="en-US" b="1" dirty="0"/>
-              <a:t>"</a:t>
-            </a:r>
-            <a:r>
-              <a:rPr lang="en-US" dirty="0"/>
-              <a:t>:"",</a:t>
-            </a:r>
-            <a:br>
-              <a:rPr lang="en-US" dirty="0"/>
-            </a:br>
-            <a:r>
-              <a:rPr lang="en-US" dirty="0"/>
-              <a:t>   </a:t>
-            </a:r>
-            <a:r>
-              <a:rPr lang="en-US" b="1" dirty="0"/>
-              <a:t>"Data"</a:t>
-            </a:r>
-            <a:r>
-              <a:rPr lang="en-US" dirty="0"/>
-              <a:t>:[  </a:t>
-            </a:r>
-            <a:br>
-              <a:rPr lang="en-US" dirty="0"/>
-            </a:br>
-            <a:r>
-              <a:rPr lang="en-US" dirty="0"/>
-              <a:t>      {  </a:t>
-            </a:r>
-            <a:br>
-              <a:rPr lang="en-US" dirty="0"/>
-            </a:br>
-            <a:r>
-              <a:rPr lang="en-US" dirty="0"/>
-              <a:t>         </a:t>
-            </a:r>
-            <a:r>
-              <a:rPr lang="en-US" b="1" dirty="0"/>
-              <a:t>"Id"</a:t>
-            </a:r>
-            <a:r>
-              <a:rPr lang="en-US" dirty="0"/>
-              <a:t>:"3",</a:t>
-            </a:r>
-            <a:br>
-              <a:rPr lang="en-US" dirty="0"/>
-            </a:br>
-            <a:r>
-              <a:rPr lang="en-US" dirty="0"/>
-              <a:t>         </a:t>
-            </a:r>
-            <a:r>
-              <a:rPr lang="en-US" b="1" dirty="0"/>
-              <a:t>"</a:t>
-            </a:r>
-            <a:r>
-              <a:rPr lang="en-US" b="1" dirty="0" err="1"/>
-              <a:t>Name"</a:t>
-            </a:r>
-            <a:r>
-              <a:rPr lang="en-US" dirty="0" err="1"/>
-              <a:t>:"Windows</a:t>
-            </a:r>
-            <a:r>
-              <a:rPr lang="en-US" dirty="0"/>
-              <a:t> XP",</a:t>
-            </a:r>
-            <a:br>
-              <a:rPr lang="en-US" dirty="0"/>
-            </a:br>
-            <a:r>
-              <a:rPr lang="en-US" dirty="0"/>
-              <a:t>         </a:t>
-            </a:r>
-            <a:r>
-              <a:rPr lang="en-US" b="1" dirty="0"/>
-              <a:t>"</a:t>
-            </a:r>
-            <a:r>
-              <a:rPr lang="en-US" b="1" dirty="0" err="1"/>
-              <a:t>Description"</a:t>
-            </a:r>
-            <a:r>
-              <a:rPr lang="en-US" dirty="0" err="1"/>
-              <a:t>:"Windows</a:t>
-            </a:r>
-            <a:r>
-              <a:rPr lang="en-US" dirty="0"/>
-              <a:t> XP Service Pack 3",</a:t>
-            </a:r>
-            <a:br>
-              <a:rPr lang="en-US" dirty="0"/>
-            </a:br>
-            <a:r>
-              <a:rPr lang="en-US" dirty="0"/>
-              <a:t>         </a:t>
-            </a:r>
-            <a:r>
-              <a:rPr lang="en-US" b="1" dirty="0"/>
-              <a:t>"</a:t>
-            </a:r>
-            <a:r>
-              <a:rPr lang="en-US" b="1" dirty="0" err="1"/>
-              <a:t>Type"</a:t>
-            </a:r>
-            <a:r>
-              <a:rPr lang="en-US" dirty="0" err="1"/>
-              <a:t>:"Virtual</a:t>
-            </a:r>
-            <a:r>
-              <a:rPr lang="en-US" dirty="0"/>
-              <a:t> Machine",</a:t>
-            </a:r>
-            <a:br>
-              <a:rPr lang="en-US" dirty="0"/>
-            </a:br>
-            <a:r>
-              <a:rPr lang="en-US" dirty="0"/>
-              <a:t>         </a:t>
-            </a:r>
-            <a:r>
-              <a:rPr lang="en-US" b="1" dirty="0"/>
-              <a:t>"</a:t>
-            </a:r>
-            <a:r>
-              <a:rPr lang="en-US" b="1" dirty="0" err="1"/>
-              <a:t>ApplicationType</a:t>
-            </a:r>
-            <a:r>
-              <a:rPr lang="en-US" b="1" dirty="0"/>
-              <a:t>"</a:t>
-            </a:r>
-            <a:r>
-              <a:rPr lang="en-US" dirty="0"/>
-              <a:t>:"",</a:t>
-            </a:r>
-            <a:br>
-              <a:rPr lang="en-US" dirty="0"/>
-            </a:br>
-            <a:r>
-              <a:rPr lang="en-US" dirty="0"/>
-              <a:t>         </a:t>
-            </a:r>
-            <a:r>
-              <a:rPr lang="en-US" b="1" dirty="0"/>
-              <a:t>"</a:t>
-            </a:r>
-            <a:r>
-              <a:rPr lang="en-US" b="1" dirty="0" err="1"/>
-              <a:t>OperatingSystem</a:t>
-            </a:r>
-            <a:r>
-              <a:rPr lang="en-US" b="1" dirty="0"/>
-              <a:t>"</a:t>
-            </a:r>
-            <a:r>
-              <a:rPr lang="en-US" dirty="0"/>
-              <a:t>:"Windows XP",</a:t>
-            </a:r>
-            <a:br>
-              <a:rPr lang="en-US" dirty="0"/>
-            </a:br>
-            <a:r>
-              <a:rPr lang="en-US" dirty="0"/>
-              <a:t>         </a:t>
-            </a:r>
-            <a:r>
-              <a:rPr lang="en-US" b="1" dirty="0"/>
-              <a:t>"</a:t>
-            </a:r>
-            <a:r>
-              <a:rPr lang="en-US" b="1" dirty="0" err="1"/>
-              <a:t>OperatingSystemType</a:t>
-            </a:r>
-            <a:r>
-              <a:rPr lang="en-US" b="1" dirty="0"/>
-              <a:t>"</a:t>
-            </a:r>
-            <a:r>
-              <a:rPr lang="en-US" dirty="0"/>
-              <a:t>:"Windows",</a:t>
-            </a:r>
-            <a:br>
-              <a:rPr lang="en-US" dirty="0"/>
-            </a:br>
-            <a:r>
-              <a:rPr lang="en-US" dirty="0"/>
-              <a:t>         </a:t>
-            </a:r>
-            <a:r>
-              <a:rPr lang="en-US" b="1" dirty="0"/>
-              <a:t>"OperatingSysteVersion"</a:t>
-            </a:r>
-            <a:r>
-              <a:rPr lang="en-US" dirty="0"/>
-              <a:t>:"6.1",</a:t>
-            </a:r>
-            <a:br>
-              <a:rPr lang="en-US" dirty="0"/>
-            </a:br>
-            <a:r>
-              <a:rPr lang="en-US" dirty="0"/>
-              <a:t>         </a:t>
-            </a:r>
-            <a:r>
-              <a:rPr lang="en-US" b="1" dirty="0"/>
-              <a:t>"Size"</a:t>
-            </a:r>
-            <a:r>
-              <a:rPr lang="en-US" dirty="0"/>
-              <a:t>:"400000",</a:t>
-            </a:r>
-            <a:br>
-              <a:rPr lang="en-US" dirty="0"/>
-            </a:br>
-            <a:r>
-              <a:rPr lang="en-US" dirty="0"/>
-              <a:t>         </a:t>
-            </a:r>
-            <a:r>
-              <a:rPr lang="en-US" b="1" dirty="0"/>
-              <a:t>"RecommendedCPU"</a:t>
-            </a:r>
-            <a:r>
-              <a:rPr lang="en-US" dirty="0"/>
-              <a:t>:"1000",</a:t>
-            </a:r>
-            <a:br>
-              <a:rPr lang="en-US" dirty="0"/>
-            </a:br>
-            <a:r>
-              <a:rPr lang="en-US" dirty="0"/>
-              <a:t>         </a:t>
-            </a:r>
-            <a:r>
-              <a:rPr lang="en-US" b="1" dirty="0"/>
-              <a:t>"RecommendedRAM"</a:t>
-            </a:r>
-            <a:r>
-              <a:rPr lang="en-US" dirty="0"/>
-              <a:t>:"1024",</a:t>
-            </a:r>
-            <a:br>
-              <a:rPr lang="en-US" dirty="0"/>
-            </a:br>
-            <a:r>
-              <a:rPr lang="en-US" dirty="0"/>
-              <a:t>         </a:t>
-            </a:r>
-            <a:r>
-              <a:rPr lang="en-US" b="1" dirty="0"/>
-              <a:t>"</a:t>
-            </a:r>
-            <a:r>
-              <a:rPr lang="en-US" b="1" dirty="0" err="1"/>
-              <a:t>SupportedVirtualizationPlatform</a:t>
-            </a:r>
-            <a:r>
-              <a:rPr lang="en-US" b="1" dirty="0"/>
-              <a:t>"</a:t>
-            </a:r>
-            <a:r>
-              <a:rPr lang="en-US" dirty="0"/>
-              <a:t>:"",</a:t>
-            </a:r>
-            <a:br>
-              <a:rPr lang="en-US" dirty="0"/>
-            </a:br>
-            <a:r>
-              <a:rPr lang="en-US" dirty="0"/>
-              <a:t>         </a:t>
-            </a:r>
-            <a:r>
-              <a:rPr lang="en-US" b="1" dirty="0"/>
-              <a:t>"Software"</a:t>
-            </a:r>
-            <a:r>
-              <a:rPr lang="en-US" dirty="0"/>
-              <a:t>:[  </a:t>
-            </a:r>
-            <a:br>
-              <a:rPr lang="en-US" dirty="0"/>
-            </a:br>
-            <a:r>
-              <a:rPr lang="en-US" dirty="0"/>
-              <a:t/>
-            </a:r>
-            <a:br>
-              <a:rPr lang="en-US" dirty="0"/>
-            </a:br>
-            <a:r>
-              <a:rPr lang="en-US" dirty="0"/>
-              <a:t>         ],</a:t>
-            </a:r>
-            <a:br>
-              <a:rPr lang="en-US" dirty="0"/>
-            </a:br>
-            <a:r>
-              <a:rPr lang="en-US" dirty="0"/>
-              <a:t>         </a:t>
-            </a:r>
-            <a:r>
-              <a:rPr lang="en-US" b="1" dirty="0"/>
-              <a:t>"</a:t>
-            </a:r>
-            <a:r>
-              <a:rPr lang="en-US" b="1" dirty="0" err="1"/>
-              <a:t>SupportedProgramingLanguages</a:t>
-            </a:r>
-            <a:r>
-              <a:rPr lang="en-US" b="1" dirty="0"/>
-              <a:t>"</a:t>
-            </a:r>
-            <a:r>
-              <a:rPr lang="en-US" dirty="0"/>
-              <a:t>:[  </a:t>
-            </a:r>
-            <a:br>
-              <a:rPr lang="en-US" dirty="0"/>
-            </a:br>
-            <a:r>
-              <a:rPr lang="en-US" dirty="0"/>
-              <a:t/>
-            </a:r>
-            <a:br>
-              <a:rPr lang="en-US" dirty="0"/>
-            </a:br>
-            <a:r>
-              <a:rPr lang="en-US" dirty="0"/>
-              <a:t>         ],</a:t>
-            </a:r>
-            <a:br>
-              <a:rPr lang="en-US" dirty="0"/>
-            </a:br>
-            <a:r>
-              <a:rPr lang="en-US" dirty="0"/>
-              <a:t>         </a:t>
-            </a:r>
-            <a:r>
-              <a:rPr lang="en-US" b="1" dirty="0"/>
-              <a:t>"Rating"</a:t>
-            </a:r>
-            <a:r>
-              <a:rPr lang="en-US" dirty="0"/>
-              <a:t>:"",</a:t>
-            </a:r>
-            <a:br>
-              <a:rPr lang="en-US" dirty="0"/>
-            </a:br>
-            <a:r>
-              <a:rPr lang="en-US" dirty="0"/>
-              <a:t>         </a:t>
-            </a:r>
-            <a:r>
-              <a:rPr lang="en-US" b="1" dirty="0"/>
-              <a:t>"</a:t>
-            </a:r>
-            <a:r>
-              <a:rPr lang="en-US" b="1" dirty="0" err="1"/>
-              <a:t>RatingDescription</a:t>
-            </a:r>
-            <a:r>
-              <a:rPr lang="en-US" b="1" dirty="0"/>
-              <a:t>"</a:t>
-            </a:r>
-            <a:r>
-              <a:rPr lang="en-US" dirty="0"/>
-              <a:t>:"",</a:t>
-            </a:r>
-            <a:br>
-              <a:rPr lang="en-US" dirty="0"/>
-            </a:br>
-            <a:r>
-              <a:rPr lang="en-US" dirty="0"/>
-              <a:t>         </a:t>
-            </a:r>
-            <a:r>
-              <a:rPr lang="en-US" b="1" dirty="0"/>
-              <a:t>"</a:t>
-            </a:r>
-            <a:r>
-              <a:rPr lang="en-US" b="1" dirty="0" err="1"/>
-              <a:t>Status"</a:t>
-            </a:r>
-            <a:r>
-              <a:rPr lang="en-US" dirty="0" err="1"/>
-              <a:t>:"Stopped</a:t>
-            </a:r>
-            <a:r>
-              <a:rPr lang="en-US" dirty="0"/>
-              <a:t>"</a:t>
-            </a:r>
-            <a:br>
-              <a:rPr lang="en-US" dirty="0"/>
-            </a:br>
-            <a:r>
-              <a:rPr lang="en-US" dirty="0"/>
-              <a:t>      }</a:t>
-            </a:r>
-            <a:br>
-              <a:rPr lang="en-US" dirty="0"/>
-            </a:br>
-            <a:r>
-              <a:rPr lang="en-US" dirty="0"/>
-              <a:t>   ]</a:t>
-            </a:r>
-            <a:br>
-              <a:rPr lang="en-US" dirty="0"/>
-            </a:br>
-            <a:r>
-              <a:rPr lang="en-US" dirty="0"/>
-              <a:t>}</a:t>
-            </a:r>
-          </a:p>
-        </p:txBody>
-      </p:sp>
-    </p:spTree>
-    <p:extLst>
-      <p:ext uri="{BB962C8B-B14F-4D97-AF65-F5344CB8AC3E}">
-        <p14:creationId xmlns:p14="http://schemas.microsoft.com/office/powerpoint/2010/main" val="1940717003"/>
-      </p:ext>
-    </p:extLst>
-  </p:cSld>
-  <p:clrMapOvr>
-    <a:masterClrMapping/>
-  </p:clrMapOvr>
+  <mc:AlternateContent xmlns:mc="http://schemas.openxmlformats.org/markup-compatibility/2006">
+    <mc:Choice xmlns:p14="http://schemas.microsoft.com/office/powerpoint/2010/main" Requires="p14">
+      <p:transition spd="med" p14:dur="700">
+        <p:fade/>
+      </p:transition>
+    </mc:Choice>
+    <mc:Fallback>
+      <p:transition spd="med">
+        <p:fade/>
+      </p:transition>
+    </mc:Fallback>
+  </mc:AlternateContent>
   <p:timing>
     <p:tnLst>
       <p:par>
@@ -7037,9 +6843,9 @@
           <a:p>
             <a:r>
               <a:rPr lang="de-AT" dirty="0" smtClean="0"/>
-              <a:t>Problems</a:t>
-            </a:r>
-            <a:endParaRPr lang="de-AT" dirty="0"/>
+              <a:t>Message Pattern</a:t>
+            </a:r>
+            <a:endParaRPr lang="en-US" dirty="0"/>
           </a:p>
         </p:txBody>
       </p:sp>
@@ -7053,73 +6859,562 @@
             <p:ph idx="1"/>
           </p:nvPr>
         </p:nvSpPr>
-        <p:spPr/>
-        <p:txBody>
-          <a:bodyPr/>
+        <p:spPr>
+          <a:xfrm>
+            <a:off x="1103312" y="1483448"/>
+            <a:ext cx="8946541" cy="4968370"/>
+          </a:xfrm>
+        </p:spPr>
+        <p:txBody>
+          <a:bodyPr>
+            <a:normAutofit fontScale="62500" lnSpcReduction="20000"/>
+          </a:bodyPr>
           <a:lstStyle/>
           <a:p>
-            <a:endParaRPr lang="en-AU" dirty="0" smtClean="0"/>
-          </a:p>
-          <a:p>
-            <a:endParaRPr lang="en-AU" dirty="0"/>
-          </a:p>
-          <a:p>
-            <a:r>
-              <a:rPr lang="en-AU" dirty="0" err="1" smtClean="0"/>
-              <a:t>Debian</a:t>
-            </a:r>
-            <a:r>
-              <a:rPr lang="en-AU" dirty="0" smtClean="0"/>
-              <a:t> – not really supported</a:t>
-            </a:r>
-          </a:p>
-          <a:p>
-            <a:endParaRPr lang="en-AU" dirty="0" smtClean="0"/>
-          </a:p>
-          <a:p>
-            <a:r>
-              <a:rPr lang="en-AU" dirty="0" smtClean="0"/>
-              <a:t>Documentation is confusing</a:t>
-            </a:r>
-          </a:p>
-          <a:p>
-            <a:endParaRPr lang="en-AU" dirty="0"/>
-          </a:p>
-          <a:p>
-            <a:r>
-              <a:rPr lang="en-AU" dirty="0" smtClean="0"/>
-              <a:t>Step by step guide for configuring </a:t>
-            </a:r>
-            <a:r>
-              <a:rPr lang="en-AU" dirty="0" err="1" smtClean="0"/>
-              <a:t>Openstack</a:t>
-            </a:r>
-            <a:r>
-              <a:rPr lang="en-AU" dirty="0" smtClean="0"/>
-              <a:t> is not working</a:t>
-            </a:r>
-          </a:p>
-          <a:p>
-            <a:endParaRPr lang="en-AU" dirty="0" smtClean="0"/>
-          </a:p>
-          <a:p>
-            <a:endParaRPr lang="en-AU" dirty="0"/>
-          </a:p>
-          <a:p>
-            <a:endParaRPr lang="en-AU" dirty="0"/>
+            <a:r>
+              <a:rPr lang="de-AT" dirty="0" smtClean="0"/>
+              <a:t>REST Service</a:t>
+            </a:r>
+          </a:p>
+          <a:p>
+            <a:r>
+              <a:rPr lang="de-AT" dirty="0" smtClean="0"/>
+              <a:t>Request – Search </a:t>
+            </a:r>
+            <a:r>
+              <a:rPr lang="de-AT" dirty="0" err="1" smtClean="0"/>
+              <a:t>for</a:t>
+            </a:r>
+            <a:r>
+              <a:rPr lang="de-AT" dirty="0" smtClean="0"/>
+              <a:t> Virtual </a:t>
+            </a:r>
+            <a:r>
+              <a:rPr lang="de-AT" dirty="0" err="1" smtClean="0"/>
+              <a:t>Machine</a:t>
+            </a:r>
+            <a:r>
+              <a:rPr lang="de-AT" dirty="0" smtClean="0"/>
+              <a:t> </a:t>
+            </a:r>
+            <a:r>
+              <a:rPr lang="de-AT" dirty="0" err="1" smtClean="0"/>
+              <a:t>or</a:t>
+            </a:r>
+            <a:r>
+              <a:rPr lang="de-AT" dirty="0" smtClean="0"/>
+              <a:t> Appliance</a:t>
+            </a:r>
+          </a:p>
+          <a:p>
+            <a:pPr lvl="1"/>
+            <a:r>
+              <a:rPr lang="en-US" dirty="0"/>
+              <a:t>http://localhost:1337/machine/all/Virt</a:t>
+            </a:r>
+            <a:endParaRPr lang="de-AT" dirty="0" smtClean="0"/>
+          </a:p>
+          <a:p>
+            <a:pPr lvl="1"/>
+            <a:r>
+              <a:rPr lang="de-AT" dirty="0" smtClean="0"/>
+              <a:t>JSON </a:t>
+            </a:r>
+            <a:r>
+              <a:rPr lang="de-AT" dirty="0" err="1" smtClean="0"/>
+              <a:t>response</a:t>
+            </a:r>
+            <a:endParaRPr lang="de-AT" dirty="0" smtClean="0"/>
+          </a:p>
+          <a:p>
+            <a:pPr marL="857250" lvl="2" indent="0">
+              <a:buNone/>
+            </a:pPr>
+            <a:r>
+              <a:rPr lang="en-US" dirty="0" smtClean="0"/>
+              <a:t>{</a:t>
+            </a:r>
+            <a:r>
+              <a:rPr lang="en-US" dirty="0"/>
+              <a:t>  </a:t>
+            </a:r>
+            <a:br>
+              <a:rPr lang="en-US" dirty="0"/>
+            </a:br>
+            <a:r>
+              <a:rPr lang="en-US" dirty="0"/>
+              <a:t>   </a:t>
+            </a:r>
+            <a:r>
+              <a:rPr lang="en-US" b="1" dirty="0"/>
+              <a:t>"</a:t>
+            </a:r>
+            <a:r>
+              <a:rPr lang="en-US" b="1" dirty="0" err="1"/>
+              <a:t>Success"</a:t>
+            </a:r>
+            <a:r>
+              <a:rPr lang="en-US" dirty="0" err="1"/>
+              <a:t>:true</a:t>
+            </a:r>
+            <a:r>
+              <a:rPr lang="en-US" dirty="0"/>
+              <a:t>,</a:t>
+            </a:r>
+            <a:br>
+              <a:rPr lang="en-US" dirty="0"/>
+            </a:br>
+            <a:r>
+              <a:rPr lang="en-US" dirty="0"/>
+              <a:t>   </a:t>
+            </a:r>
+            <a:r>
+              <a:rPr lang="en-US" b="1" dirty="0"/>
+              <a:t>"</a:t>
+            </a:r>
+            <a:r>
+              <a:rPr lang="en-US" b="1" dirty="0" err="1"/>
+              <a:t>ErrorMessage</a:t>
+            </a:r>
+            <a:r>
+              <a:rPr lang="en-US" b="1" dirty="0"/>
+              <a:t>"</a:t>
+            </a:r>
+            <a:r>
+              <a:rPr lang="en-US" dirty="0"/>
+              <a:t>:"",</a:t>
+            </a:r>
+            <a:br>
+              <a:rPr lang="en-US" dirty="0"/>
+            </a:br>
+            <a:r>
+              <a:rPr lang="en-US" dirty="0"/>
+              <a:t>   </a:t>
+            </a:r>
+            <a:r>
+              <a:rPr lang="en-US" b="1" dirty="0"/>
+              <a:t>"Data"</a:t>
+            </a:r>
+            <a:r>
+              <a:rPr lang="en-US" dirty="0"/>
+              <a:t>:[  </a:t>
+            </a:r>
+            <a:br>
+              <a:rPr lang="en-US" dirty="0"/>
+            </a:br>
+            <a:r>
+              <a:rPr lang="en-US" dirty="0"/>
+              <a:t>      {  </a:t>
+            </a:r>
+            <a:br>
+              <a:rPr lang="en-US" dirty="0"/>
+            </a:br>
+            <a:r>
+              <a:rPr lang="en-US" dirty="0"/>
+              <a:t>         </a:t>
+            </a:r>
+            <a:r>
+              <a:rPr lang="en-US" b="1" dirty="0"/>
+              <a:t>"Id"</a:t>
+            </a:r>
+            <a:r>
+              <a:rPr lang="en-US" dirty="0"/>
+              <a:t>:"3",</a:t>
+            </a:r>
+            <a:br>
+              <a:rPr lang="en-US" dirty="0"/>
+            </a:br>
+            <a:r>
+              <a:rPr lang="en-US" dirty="0"/>
+              <a:t>         </a:t>
+            </a:r>
+            <a:r>
+              <a:rPr lang="en-US" b="1" dirty="0"/>
+              <a:t>"</a:t>
+            </a:r>
+            <a:r>
+              <a:rPr lang="en-US" b="1" dirty="0" err="1"/>
+              <a:t>Name"</a:t>
+            </a:r>
+            <a:r>
+              <a:rPr lang="en-US" dirty="0" err="1"/>
+              <a:t>:"Windows</a:t>
+            </a:r>
+            <a:r>
+              <a:rPr lang="en-US" dirty="0"/>
+              <a:t> XP",</a:t>
+            </a:r>
+            <a:br>
+              <a:rPr lang="en-US" dirty="0"/>
+            </a:br>
+            <a:r>
+              <a:rPr lang="en-US" dirty="0"/>
+              <a:t>         </a:t>
+            </a:r>
+            <a:r>
+              <a:rPr lang="en-US" b="1" dirty="0"/>
+              <a:t>"</a:t>
+            </a:r>
+            <a:r>
+              <a:rPr lang="en-US" b="1" dirty="0" err="1"/>
+              <a:t>Description"</a:t>
+            </a:r>
+            <a:r>
+              <a:rPr lang="en-US" dirty="0" err="1"/>
+              <a:t>:"Windows</a:t>
+            </a:r>
+            <a:r>
+              <a:rPr lang="en-US" dirty="0"/>
+              <a:t> XP Service Pack 3",</a:t>
+            </a:r>
+            <a:br>
+              <a:rPr lang="en-US" dirty="0"/>
+            </a:br>
+            <a:r>
+              <a:rPr lang="en-US" dirty="0"/>
+              <a:t>         </a:t>
+            </a:r>
+            <a:r>
+              <a:rPr lang="en-US" b="1" dirty="0"/>
+              <a:t>"</a:t>
+            </a:r>
+            <a:r>
+              <a:rPr lang="en-US" b="1" dirty="0" err="1"/>
+              <a:t>Type"</a:t>
+            </a:r>
+            <a:r>
+              <a:rPr lang="en-US" dirty="0" err="1"/>
+              <a:t>:"Virtual</a:t>
+            </a:r>
+            <a:r>
+              <a:rPr lang="en-US" dirty="0"/>
+              <a:t> Machine",</a:t>
+            </a:r>
+            <a:br>
+              <a:rPr lang="en-US" dirty="0"/>
+            </a:br>
+            <a:r>
+              <a:rPr lang="en-US" dirty="0"/>
+              <a:t>         </a:t>
+            </a:r>
+            <a:r>
+              <a:rPr lang="en-US" b="1" dirty="0"/>
+              <a:t>"</a:t>
+            </a:r>
+            <a:r>
+              <a:rPr lang="en-US" b="1" dirty="0" err="1"/>
+              <a:t>ApplicationType</a:t>
+            </a:r>
+            <a:r>
+              <a:rPr lang="en-US" b="1" dirty="0"/>
+              <a:t>"</a:t>
+            </a:r>
+            <a:r>
+              <a:rPr lang="en-US" dirty="0"/>
+              <a:t>:"",</a:t>
+            </a:r>
+            <a:br>
+              <a:rPr lang="en-US" dirty="0"/>
+            </a:br>
+            <a:r>
+              <a:rPr lang="en-US" dirty="0"/>
+              <a:t>         </a:t>
+            </a:r>
+            <a:r>
+              <a:rPr lang="en-US" b="1" dirty="0"/>
+              <a:t>"</a:t>
+            </a:r>
+            <a:r>
+              <a:rPr lang="en-US" b="1" dirty="0" err="1"/>
+              <a:t>OperatingSystem</a:t>
+            </a:r>
+            <a:r>
+              <a:rPr lang="en-US" b="1" dirty="0"/>
+              <a:t>"</a:t>
+            </a:r>
+            <a:r>
+              <a:rPr lang="en-US" dirty="0"/>
+              <a:t>:"Windows XP",</a:t>
+            </a:r>
+            <a:br>
+              <a:rPr lang="en-US" dirty="0"/>
+            </a:br>
+            <a:r>
+              <a:rPr lang="en-US" dirty="0"/>
+              <a:t>         </a:t>
+            </a:r>
+            <a:r>
+              <a:rPr lang="en-US" b="1" dirty="0"/>
+              <a:t>"</a:t>
+            </a:r>
+            <a:r>
+              <a:rPr lang="en-US" b="1" dirty="0" err="1"/>
+              <a:t>OperatingSystemType</a:t>
+            </a:r>
+            <a:r>
+              <a:rPr lang="en-US" b="1" dirty="0"/>
+              <a:t>"</a:t>
+            </a:r>
+            <a:r>
+              <a:rPr lang="en-US" dirty="0"/>
+              <a:t>:"Windows",</a:t>
+            </a:r>
+            <a:br>
+              <a:rPr lang="en-US" dirty="0"/>
+            </a:br>
+            <a:r>
+              <a:rPr lang="en-US" dirty="0"/>
+              <a:t>         </a:t>
+            </a:r>
+            <a:r>
+              <a:rPr lang="en-US" b="1" dirty="0"/>
+              <a:t>"OperatingSysteVersion"</a:t>
+            </a:r>
+            <a:r>
+              <a:rPr lang="en-US" dirty="0"/>
+              <a:t>:"6.1",</a:t>
+            </a:r>
+            <a:br>
+              <a:rPr lang="en-US" dirty="0"/>
+            </a:br>
+            <a:r>
+              <a:rPr lang="en-US" dirty="0"/>
+              <a:t>         </a:t>
+            </a:r>
+            <a:r>
+              <a:rPr lang="en-US" b="1" dirty="0"/>
+              <a:t>"Size"</a:t>
+            </a:r>
+            <a:r>
+              <a:rPr lang="en-US" dirty="0"/>
+              <a:t>:"400000",</a:t>
+            </a:r>
+            <a:br>
+              <a:rPr lang="en-US" dirty="0"/>
+            </a:br>
+            <a:r>
+              <a:rPr lang="en-US" dirty="0"/>
+              <a:t>         </a:t>
+            </a:r>
+            <a:r>
+              <a:rPr lang="en-US" b="1" dirty="0"/>
+              <a:t>"RecommendedCPU"</a:t>
+            </a:r>
+            <a:r>
+              <a:rPr lang="en-US" dirty="0"/>
+              <a:t>:"1000",</a:t>
+            </a:r>
+            <a:br>
+              <a:rPr lang="en-US" dirty="0"/>
+            </a:br>
+            <a:r>
+              <a:rPr lang="en-US" dirty="0"/>
+              <a:t>         </a:t>
+            </a:r>
+            <a:r>
+              <a:rPr lang="en-US" b="1" dirty="0"/>
+              <a:t>"RecommendedRAM"</a:t>
+            </a:r>
+            <a:r>
+              <a:rPr lang="en-US" dirty="0"/>
+              <a:t>:"1024",</a:t>
+            </a:r>
+            <a:br>
+              <a:rPr lang="en-US" dirty="0"/>
+            </a:br>
+            <a:r>
+              <a:rPr lang="en-US" dirty="0"/>
+              <a:t>         </a:t>
+            </a:r>
+            <a:r>
+              <a:rPr lang="en-US" b="1" dirty="0"/>
+              <a:t>"</a:t>
+            </a:r>
+            <a:r>
+              <a:rPr lang="en-US" b="1" dirty="0" err="1"/>
+              <a:t>SupportedVirtualizationPlatform</a:t>
+            </a:r>
+            <a:r>
+              <a:rPr lang="en-US" b="1" dirty="0"/>
+              <a:t>"</a:t>
+            </a:r>
+            <a:r>
+              <a:rPr lang="en-US" dirty="0"/>
+              <a:t>:"",</a:t>
+            </a:r>
+            <a:br>
+              <a:rPr lang="en-US" dirty="0"/>
+            </a:br>
+            <a:r>
+              <a:rPr lang="en-US" dirty="0"/>
+              <a:t>         </a:t>
+            </a:r>
+            <a:r>
+              <a:rPr lang="en-US" b="1" dirty="0"/>
+              <a:t>"Software"</a:t>
+            </a:r>
+            <a:r>
+              <a:rPr lang="en-US" dirty="0"/>
+              <a:t>:[  </a:t>
+            </a:r>
+            <a:br>
+              <a:rPr lang="en-US" dirty="0"/>
+            </a:br>
+            <a:r>
+              <a:rPr lang="en-US" dirty="0"/>
+              <a:t/>
+            </a:r>
+            <a:br>
+              <a:rPr lang="en-US" dirty="0"/>
+            </a:br>
+            <a:r>
+              <a:rPr lang="en-US" dirty="0"/>
+              <a:t>         ],</a:t>
+            </a:r>
+            <a:br>
+              <a:rPr lang="en-US" dirty="0"/>
+            </a:br>
+            <a:r>
+              <a:rPr lang="en-US" dirty="0"/>
+              <a:t>         </a:t>
+            </a:r>
+            <a:r>
+              <a:rPr lang="en-US" b="1" dirty="0"/>
+              <a:t>"</a:t>
+            </a:r>
+            <a:r>
+              <a:rPr lang="en-US" b="1" dirty="0" err="1"/>
+              <a:t>SupportedProgramingLanguages</a:t>
+            </a:r>
+            <a:r>
+              <a:rPr lang="en-US" b="1" dirty="0"/>
+              <a:t>"</a:t>
+            </a:r>
+            <a:r>
+              <a:rPr lang="en-US" dirty="0"/>
+              <a:t>:[  </a:t>
+            </a:r>
+            <a:br>
+              <a:rPr lang="en-US" dirty="0"/>
+            </a:br>
+            <a:r>
+              <a:rPr lang="en-US" dirty="0"/>
+              <a:t/>
+            </a:r>
+            <a:br>
+              <a:rPr lang="en-US" dirty="0"/>
+            </a:br>
+            <a:r>
+              <a:rPr lang="en-US" dirty="0"/>
+              <a:t>         ],</a:t>
+            </a:r>
+            <a:br>
+              <a:rPr lang="en-US" dirty="0"/>
+            </a:br>
+            <a:r>
+              <a:rPr lang="en-US" dirty="0"/>
+              <a:t>         </a:t>
+            </a:r>
+            <a:r>
+              <a:rPr lang="en-US" b="1" dirty="0"/>
+              <a:t>"Rating"</a:t>
+            </a:r>
+            <a:r>
+              <a:rPr lang="en-US" dirty="0"/>
+              <a:t>:"",</a:t>
+            </a:r>
+            <a:br>
+              <a:rPr lang="en-US" dirty="0"/>
+            </a:br>
+            <a:r>
+              <a:rPr lang="en-US" dirty="0"/>
+              <a:t>         </a:t>
+            </a:r>
+            <a:r>
+              <a:rPr lang="en-US" b="1" dirty="0"/>
+              <a:t>"</a:t>
+            </a:r>
+            <a:r>
+              <a:rPr lang="en-US" b="1" dirty="0" err="1"/>
+              <a:t>RatingDescription</a:t>
+            </a:r>
+            <a:r>
+              <a:rPr lang="en-US" b="1" dirty="0"/>
+              <a:t>"</a:t>
+            </a:r>
+            <a:r>
+              <a:rPr lang="en-US" dirty="0"/>
+              <a:t>:"",</a:t>
+            </a:r>
+            <a:br>
+              <a:rPr lang="en-US" dirty="0"/>
+            </a:br>
+            <a:r>
+              <a:rPr lang="en-US" dirty="0"/>
+              <a:t>         </a:t>
+            </a:r>
+            <a:r>
+              <a:rPr lang="en-US" b="1" dirty="0"/>
+              <a:t>"</a:t>
+            </a:r>
+            <a:r>
+              <a:rPr lang="en-US" b="1" dirty="0" err="1"/>
+              <a:t>Status"</a:t>
+            </a:r>
+            <a:r>
+              <a:rPr lang="en-US" dirty="0" err="1"/>
+              <a:t>:"Stopped</a:t>
+            </a:r>
+            <a:r>
+              <a:rPr lang="en-US" dirty="0"/>
+              <a:t>"</a:t>
+            </a:r>
+            <a:br>
+              <a:rPr lang="en-US" dirty="0"/>
+            </a:br>
+            <a:r>
+              <a:rPr lang="en-US" dirty="0"/>
+              <a:t>      }</a:t>
+            </a:r>
+            <a:br>
+              <a:rPr lang="en-US" dirty="0"/>
+            </a:br>
+            <a:r>
+              <a:rPr lang="en-US" dirty="0"/>
+              <a:t>   ]</a:t>
+            </a:r>
+            <a:br>
+              <a:rPr lang="en-US" dirty="0"/>
+            </a:br>
+            <a:r>
+              <a:rPr lang="en-US" dirty="0"/>
+              <a:t>}</a:t>
+            </a:r>
           </a:p>
         </p:txBody>
       </p:sp>
     </p:spTree>
     <p:extLst>
       <p:ext uri="{BB962C8B-B14F-4D97-AF65-F5344CB8AC3E}">
-        <p14:creationId xmlns:p14="http://schemas.microsoft.com/office/powerpoint/2010/main" val="3899936956"/>
+        <p14:creationId xmlns:p14="http://schemas.microsoft.com/office/powerpoint/2010/main" val="1940717003"/>
       </p:ext>
     </p:extLst>
   </p:cSld>
   <p:clrMapOvr>
     <a:masterClrMapping/>
   </p:clrMapOvr>
+  <mc:AlternateContent xmlns:mc="http://schemas.openxmlformats.org/markup-compatibility/2006">
+    <mc:Choice xmlns:p14="http://schemas.microsoft.com/office/powerpoint/2010/main" Requires="p14">
+      <p:transition spd="med" p14:dur="700">
+        <p:fade/>
+      </p:transition>
+    </mc:Choice>
+    <mc:Fallback>
+      <p:transition spd="med">
+        <p:fade/>
+      </p:transition>
+    </mc:Fallback>
+  </mc:AlternateContent>
   <p:timing>
     <p:tnLst>
       <p:par>
@@ -7163,18 +7458,10 @@
           <a:lstStyle/>
           <a:p>
             <a:r>
-              <a:rPr lang="de-AT" dirty="0" err="1" smtClean="0"/>
-              <a:t>Lessons</a:t>
-            </a:r>
-            <a:r>
               <a:rPr lang="de-AT" dirty="0" smtClean="0"/>
-              <a:t> </a:t>
-            </a:r>
-            <a:r>
-              <a:rPr lang="de-AT" dirty="0" err="1" smtClean="0"/>
-              <a:t>Learned</a:t>
-            </a:r>
-            <a:endParaRPr lang="en-US" dirty="0"/>
+              <a:t>Problems</a:t>
+            </a:r>
+            <a:endParaRPr lang="de-AT" dirty="0"/>
           </a:p>
         </p:txBody>
       </p:sp>
@@ -7196,54 +7483,77 @@
             <a:endParaRPr lang="en-AU" dirty="0" smtClean="0"/>
           </a:p>
           <a:p>
+            <a:endParaRPr lang="en-AU" dirty="0"/>
+          </a:p>
+          <a:p>
+            <a:r>
+              <a:rPr lang="en-AU" dirty="0" err="1" smtClean="0"/>
+              <a:t>Debian</a:t>
+            </a:r>
+            <a:r>
+              <a:rPr lang="en-AU" dirty="0" smtClean="0"/>
+              <a:t> – not really supported</a:t>
+            </a:r>
+          </a:p>
+          <a:p>
             <a:endParaRPr lang="en-AU" dirty="0" smtClean="0"/>
           </a:p>
           <a:p>
+            <a:r>
+              <a:rPr lang="en-AU" dirty="0" smtClean="0"/>
+              <a:t>Documentation is confusing</a:t>
+            </a:r>
+          </a:p>
+          <a:p>
+            <a:endParaRPr lang="en-AU" dirty="0"/>
+          </a:p>
+          <a:p>
+            <a:r>
+              <a:rPr lang="en-AU" dirty="0" smtClean="0"/>
+              <a:t>Step by step guide for configuring </a:t>
+            </a:r>
+            <a:r>
+              <a:rPr lang="en-AU" dirty="0" err="1" smtClean="0"/>
+              <a:t>Openstack</a:t>
+            </a:r>
+            <a:r>
+              <a:rPr lang="en-AU" dirty="0" smtClean="0"/>
+              <a:t> is not working</a:t>
+            </a:r>
+          </a:p>
+          <a:p>
             <a:endParaRPr lang="en-AU" dirty="0" smtClean="0"/>
           </a:p>
           <a:p>
-            <a:r>
-              <a:rPr lang="en-AU" dirty="0" smtClean="0"/>
-              <a:t>Use </a:t>
-            </a:r>
-            <a:r>
-              <a:rPr lang="en-AU" dirty="0" err="1" smtClean="0"/>
-              <a:t>DevStack</a:t>
-            </a:r>
-            <a:r>
-              <a:rPr lang="en-AU" dirty="0" smtClean="0"/>
-              <a:t> for a single machine</a:t>
-            </a:r>
-          </a:p>
-          <a:p>
-            <a:endParaRPr lang="en-AU" dirty="0" smtClean="0"/>
-          </a:p>
-          <a:p>
-            <a:r>
-              <a:rPr lang="en-AU" dirty="0" smtClean="0"/>
-              <a:t>Design </a:t>
-            </a:r>
-            <a:r>
-              <a:rPr lang="en-AU" smtClean="0"/>
-              <a:t>suitable message </a:t>
-            </a:r>
-            <a:r>
-              <a:rPr lang="en-AU" dirty="0" smtClean="0"/>
-              <a:t>format</a:t>
-            </a:r>
+            <a:endParaRPr lang="en-AU" dirty="0"/>
+          </a:p>
+          <a:p>
+            <a:endParaRPr lang="en-AU" dirty="0"/>
           </a:p>
         </p:txBody>
       </p:sp>
     </p:spTree>
     <p:extLst>
       <p:ext uri="{BB962C8B-B14F-4D97-AF65-F5344CB8AC3E}">
-        <p14:creationId xmlns:p14="http://schemas.microsoft.com/office/powerpoint/2010/main" val="4010221595"/>
+        <p14:creationId xmlns:p14="http://schemas.microsoft.com/office/powerpoint/2010/main" val="3899936956"/>
       </p:ext>
     </p:extLst>
   </p:cSld>
   <p:clrMapOvr>
     <a:masterClrMapping/>
   </p:clrMapOvr>
+  <mc:AlternateContent xmlns:mc="http://schemas.openxmlformats.org/markup-compatibility/2006">
+    <mc:Choice xmlns:p14="http://schemas.microsoft.com/office/powerpoint/2010/main" Requires="p14">
+      <p:transition spd="med" p14:dur="700">
+        <p:fade/>
+      </p:transition>
+    </mc:Choice>
+    <mc:Fallback>
+      <p:transition spd="med">
+        <p:fade/>
+      </p:transition>
+    </mc:Fallback>
+  </mc:AlternateContent>
   <p:timing>
     <p:tnLst>
       <p:par>
@@ -7281,6 +7591,142 @@
             <p:ph type="title"/>
           </p:nvPr>
         </p:nvSpPr>
+        <p:spPr/>
+        <p:txBody>
+          <a:bodyPr/>
+          <a:lstStyle/>
+          <a:p>
+            <a:r>
+              <a:rPr lang="de-AT" dirty="0" err="1" smtClean="0"/>
+              <a:t>Lessons</a:t>
+            </a:r>
+            <a:r>
+              <a:rPr lang="de-AT" dirty="0" smtClean="0"/>
+              <a:t> </a:t>
+            </a:r>
+            <a:r>
+              <a:rPr lang="de-AT" dirty="0" err="1" smtClean="0"/>
+              <a:t>Learned</a:t>
+            </a:r>
+            <a:endParaRPr lang="en-US" dirty="0"/>
+          </a:p>
+        </p:txBody>
+      </p:sp>
+      <p:sp>
+        <p:nvSpPr>
+          <p:cNvPr id="3" name="Inhaltsplatzhalter 2"/>
+          <p:cNvSpPr>
+            <a:spLocks noGrp="1"/>
+          </p:cNvSpPr>
+          <p:nvPr>
+            <p:ph idx="1"/>
+          </p:nvPr>
+        </p:nvSpPr>
+        <p:spPr/>
+        <p:txBody>
+          <a:bodyPr/>
+          <a:lstStyle/>
+          <a:p>
+            <a:endParaRPr lang="en-AU" dirty="0" smtClean="0"/>
+          </a:p>
+          <a:p>
+            <a:endParaRPr lang="en-AU" dirty="0" smtClean="0"/>
+          </a:p>
+          <a:p>
+            <a:endParaRPr lang="en-AU" dirty="0" smtClean="0"/>
+          </a:p>
+          <a:p>
+            <a:r>
+              <a:rPr lang="en-AU" dirty="0" smtClean="0"/>
+              <a:t>Use </a:t>
+            </a:r>
+            <a:r>
+              <a:rPr lang="en-AU" dirty="0" err="1" smtClean="0"/>
+              <a:t>DevStack</a:t>
+            </a:r>
+            <a:r>
+              <a:rPr lang="en-AU" dirty="0" smtClean="0"/>
+              <a:t> for a single machine</a:t>
+            </a:r>
+          </a:p>
+          <a:p>
+            <a:endParaRPr lang="en-AU" dirty="0" smtClean="0"/>
+          </a:p>
+          <a:p>
+            <a:r>
+              <a:rPr lang="en-AU" dirty="0" smtClean="0"/>
+              <a:t>Design </a:t>
+            </a:r>
+            <a:r>
+              <a:rPr lang="en-AU" smtClean="0"/>
+              <a:t>suitable message </a:t>
+            </a:r>
+            <a:r>
+              <a:rPr lang="en-AU" dirty="0" smtClean="0"/>
+              <a:t>format</a:t>
+            </a:r>
+          </a:p>
+        </p:txBody>
+      </p:sp>
+    </p:spTree>
+    <p:extLst>
+      <p:ext uri="{BB962C8B-B14F-4D97-AF65-F5344CB8AC3E}">
+        <p14:creationId xmlns:p14="http://schemas.microsoft.com/office/powerpoint/2010/main" val="4010221595"/>
+      </p:ext>
+    </p:extLst>
+  </p:cSld>
+  <p:clrMapOvr>
+    <a:masterClrMapping/>
+  </p:clrMapOvr>
+  <mc:AlternateContent xmlns:mc="http://schemas.openxmlformats.org/markup-compatibility/2006">
+    <mc:Choice xmlns:p14="http://schemas.microsoft.com/office/powerpoint/2010/main" Requires="p14">
+      <p:transition spd="med" p14:dur="700">
+        <p:fade/>
+      </p:transition>
+    </mc:Choice>
+    <mc:Fallback>
+      <p:transition spd="med">
+        <p:fade/>
+      </p:transition>
+    </mc:Fallback>
+  </mc:AlternateContent>
+  <p:timing>
+    <p:tnLst>
+      <p:par>
+        <p:cTn id="1" dur="indefinite" restart="never" nodeType="tmRoot"/>
+      </p:par>
+    </p:tnLst>
+  </p:timing>
+</p:sld>
+</file>
+
+<file path=ppt/slides/slide9.xml><?xml version="1.0" encoding="utf-8"?>
+<p:sld xmlns:a="http://schemas.openxmlformats.org/drawingml/2006/main" xmlns:r="http://schemas.openxmlformats.org/officeDocument/2006/relationships" xmlns:p="http://schemas.openxmlformats.org/presentationml/2006/main">
+  <p:cSld>
+    <p:spTree>
+      <p:nvGrpSpPr>
+        <p:cNvPr id="1" name=""/>
+        <p:cNvGrpSpPr/>
+        <p:nvPr/>
+      </p:nvGrpSpPr>
+      <p:grpSpPr>
+        <a:xfrm>
+          <a:off x="0" y="0"/>
+          <a:ext cx="0" cy="0"/>
+          <a:chOff x="0" y="0"/>
+          <a:chExt cx="0" cy="0"/>
+        </a:xfrm>
+      </p:grpSpPr>
+      <p:sp>
+        <p:nvSpPr>
+          <p:cNvPr id="2" name="Titel 1"/>
+          <p:cNvSpPr>
+            <a:spLocks noGrp="1"/>
+          </p:cNvSpPr>
+          <p:nvPr>
+            <p:ph type="title"/>
+          </p:nvPr>
+        </p:nvSpPr>
         <p:spPr>
           <a:xfrm>
             <a:off x="1399329" y="2711642"/>
@@ -7310,6 +7756,18 @@
   <p:clrMapOvr>
     <a:masterClrMapping/>
   </p:clrMapOvr>
+  <mc:AlternateContent xmlns:mc="http://schemas.openxmlformats.org/markup-compatibility/2006">
+    <mc:Choice xmlns:p14="http://schemas.microsoft.com/office/powerpoint/2010/main" Requires="p14">
+      <p:transition spd="med" p14:dur="700">
+        <p:fade/>
+      </p:transition>
+    </mc:Choice>
+    <mc:Fallback>
+      <p:transition spd="med">
+        <p:fade/>
+      </p:transition>
+    </mc:Fallback>
+  </mc:AlternateContent>
   <p:timing>
     <p:tnLst>
       <p:par>
@@ -7579,7 +8037,7 @@
   <a:extraClrSchemeLst/>
   <a:extLst>
     <a:ext uri="{05A4C25C-085E-4340-85A3-A5531E510DB2}">
-      <thm15:themeFamily xmlns="" xmlns:thm15="http://schemas.microsoft.com/office/thememl/2012/main" name="Ion" id="{B8441ADB-2E43-4AF7-B97A-BD870242C6A8}" vid="{BACC050B-8757-4460-95D8-E37B46A6B421}"/>
+      <thm15:themeFamily xmlns:thm15="http://schemas.microsoft.com/office/thememl/2012/main" name="Ion" id="{B8441ADB-2E43-4AF7-B97A-BD870242C6A8}" vid="{BACC050B-8757-4460-95D8-E37B46A6B421}"/>
     </a:ext>
   </a:extLst>
 </a:theme>
